--- a/css.pptx
+++ b/css.pptx
@@ -4,6 +4,9 @@
   <p:sldMasterIdLst>
     <p:sldMasterId id="2147483648" r:id="rId1"/>
   </p:sldMasterIdLst>
+  <p:notesMasterIdLst>
+    <p:notesMasterId r:id="rId22"/>
+  </p:notesMasterIdLst>
   <p:sldIdLst>
     <p:sldId id="256" r:id="rId2"/>
     <p:sldId id="257" r:id="rId3"/>
@@ -12,16 +15,19 @@
     <p:sldId id="260" r:id="rId6"/>
     <p:sldId id="261" r:id="rId7"/>
     <p:sldId id="262" r:id="rId8"/>
-    <p:sldId id="263" r:id="rId9"/>
-    <p:sldId id="264" r:id="rId10"/>
-    <p:sldId id="265" r:id="rId11"/>
-    <p:sldId id="266" r:id="rId12"/>
-    <p:sldId id="267" r:id="rId13"/>
-    <p:sldId id="268" r:id="rId14"/>
-    <p:sldId id="269" r:id="rId15"/>
-    <p:sldId id="270" r:id="rId16"/>
-    <p:sldId id="271" r:id="rId17"/>
-    <p:sldId id="272" r:id="rId18"/>
+    <p:sldId id="264" r:id="rId9"/>
+    <p:sldId id="273" r:id="rId10"/>
+    <p:sldId id="263" r:id="rId11"/>
+    <p:sldId id="275" r:id="rId12"/>
+    <p:sldId id="265" r:id="rId13"/>
+    <p:sldId id="274" r:id="rId14"/>
+    <p:sldId id="266" r:id="rId15"/>
+    <p:sldId id="267" r:id="rId16"/>
+    <p:sldId id="268" r:id="rId17"/>
+    <p:sldId id="269" r:id="rId18"/>
+    <p:sldId id="270" r:id="rId19"/>
+    <p:sldId id="271" r:id="rId20"/>
+    <p:sldId id="272" r:id="rId21"/>
   </p:sldIdLst>
   <p:sldSz cx="12192000" cy="6858000"/>
   <p:notesSz cx="6858000" cy="9144000"/>
@@ -126,6 +132,608 @@
     </p:ext>
   </p:extLst>
 </p:presentation>
+</file>
+
+<file path=ppt/notesMasters/notesMaster1.xml><?xml version="1.0" encoding="utf-8"?>
+<p:notesMaster xmlns:a="http://schemas.openxmlformats.org/drawingml/2006/main" xmlns:r="http://schemas.openxmlformats.org/officeDocument/2006/relationships" xmlns:p="http://schemas.openxmlformats.org/presentationml/2006/main">
+  <p:cSld>
+    <p:bg>
+      <p:bgRef idx="1001">
+        <a:schemeClr val="bg1"/>
+      </p:bgRef>
+    </p:bg>
+    <p:spTree>
+      <p:nvGrpSpPr>
+        <p:cNvPr id="1" name=""/>
+        <p:cNvGrpSpPr/>
+        <p:nvPr/>
+      </p:nvGrpSpPr>
+      <p:grpSpPr>
+        <a:xfrm>
+          <a:off x="0" y="0"/>
+          <a:ext cx="0" cy="0"/>
+          <a:chOff x="0" y="0"/>
+          <a:chExt cx="0" cy="0"/>
+        </a:xfrm>
+      </p:grpSpPr>
+      <p:sp>
+        <p:nvSpPr>
+          <p:cNvPr id="2" name="Header Placeholder 1"/>
+          <p:cNvSpPr>
+            <a:spLocks noGrp="1"/>
+          </p:cNvSpPr>
+          <p:nvPr>
+            <p:ph type="hdr" sz="quarter"/>
+          </p:nvPr>
+        </p:nvSpPr>
+        <p:spPr>
+          <a:xfrm>
+            <a:off x="0" y="0"/>
+            <a:ext cx="2971800" cy="458788"/>
+          </a:xfrm>
+          <a:prstGeom prst="rect">
+            <a:avLst/>
+          </a:prstGeom>
+        </p:spPr>
+        <p:txBody>
+          <a:bodyPr vert="horz" lIns="91440" tIns="45720" rIns="91440" bIns="45720" rtlCol="0"/>
+          <a:lstStyle>
+            <a:lvl1pPr algn="l">
+              <a:defRPr sz="1200"/>
+            </a:lvl1pPr>
+          </a:lstStyle>
+          <a:p>
+            <a:endParaRPr lang="en-US"/>
+          </a:p>
+        </p:txBody>
+      </p:sp>
+      <p:sp>
+        <p:nvSpPr>
+          <p:cNvPr id="3" name="Date Placeholder 2"/>
+          <p:cNvSpPr>
+            <a:spLocks noGrp="1"/>
+          </p:cNvSpPr>
+          <p:nvPr>
+            <p:ph type="dt" idx="1"/>
+          </p:nvPr>
+        </p:nvSpPr>
+        <p:spPr>
+          <a:xfrm>
+            <a:off x="3884613" y="0"/>
+            <a:ext cx="2971800" cy="458788"/>
+          </a:xfrm>
+          <a:prstGeom prst="rect">
+            <a:avLst/>
+          </a:prstGeom>
+        </p:spPr>
+        <p:txBody>
+          <a:bodyPr vert="horz" lIns="91440" tIns="45720" rIns="91440" bIns="45720" rtlCol="0"/>
+          <a:lstStyle>
+            <a:lvl1pPr algn="r">
+              <a:defRPr sz="1200"/>
+            </a:lvl1pPr>
+          </a:lstStyle>
+          <a:p>
+            <a:fld id="{059CA266-6FE9-FA4C-ADD0-96DD7928DEE5}" type="datetimeFigureOut">
+              <a:rPr lang="en-US" smtClean="0"/>
+              <a:t>1/21/21</a:t>
+            </a:fld>
+            <a:endParaRPr lang="en-US"/>
+          </a:p>
+        </p:txBody>
+      </p:sp>
+      <p:sp>
+        <p:nvSpPr>
+          <p:cNvPr id="4" name="Slide Image Placeholder 3"/>
+          <p:cNvSpPr>
+            <a:spLocks noGrp="1" noRot="1" noChangeAspect="1"/>
+          </p:cNvSpPr>
+          <p:nvPr>
+            <p:ph type="sldImg" idx="2"/>
+          </p:nvPr>
+        </p:nvSpPr>
+        <p:spPr>
+          <a:xfrm>
+            <a:off x="685800" y="1143000"/>
+            <a:ext cx="5486400" cy="3086100"/>
+          </a:xfrm>
+          <a:prstGeom prst="rect">
+            <a:avLst/>
+          </a:prstGeom>
+          <a:noFill/>
+          <a:ln w="12700">
+            <a:solidFill>
+              <a:prstClr val="black"/>
+            </a:solidFill>
+          </a:ln>
+        </p:spPr>
+        <p:txBody>
+          <a:bodyPr vert="horz" lIns="91440" tIns="45720" rIns="91440" bIns="45720" rtlCol="0" anchor="ctr"/>
+          <a:lstStyle/>
+          <a:p>
+            <a:endParaRPr lang="en-US"/>
+          </a:p>
+        </p:txBody>
+      </p:sp>
+      <p:sp>
+        <p:nvSpPr>
+          <p:cNvPr id="5" name="Notes Placeholder 4"/>
+          <p:cNvSpPr>
+            <a:spLocks noGrp="1"/>
+          </p:cNvSpPr>
+          <p:nvPr>
+            <p:ph type="body" sz="quarter" idx="3"/>
+          </p:nvPr>
+        </p:nvSpPr>
+        <p:spPr>
+          <a:xfrm>
+            <a:off x="685800" y="4400550"/>
+            <a:ext cx="5486400" cy="3600450"/>
+          </a:xfrm>
+          <a:prstGeom prst="rect">
+            <a:avLst/>
+          </a:prstGeom>
+        </p:spPr>
+        <p:txBody>
+          <a:bodyPr vert="horz" lIns="91440" tIns="45720" rIns="91440" bIns="45720" rtlCol="0"/>
+          <a:lstStyle/>
+          <a:p>
+            <a:pPr lvl="0"/>
+            <a:r>
+              <a:rPr lang="en-GB"/>
+              <a:t>Click to edit Master text styles</a:t>
+            </a:r>
+          </a:p>
+          <a:p>
+            <a:pPr lvl="1"/>
+            <a:r>
+              <a:rPr lang="en-GB"/>
+              <a:t>Second level</a:t>
+            </a:r>
+          </a:p>
+          <a:p>
+            <a:pPr lvl="2"/>
+            <a:r>
+              <a:rPr lang="en-GB"/>
+              <a:t>Third level</a:t>
+            </a:r>
+          </a:p>
+          <a:p>
+            <a:pPr lvl="3"/>
+            <a:r>
+              <a:rPr lang="en-GB"/>
+              <a:t>Fourth level</a:t>
+            </a:r>
+          </a:p>
+          <a:p>
+            <a:pPr lvl="4"/>
+            <a:r>
+              <a:rPr lang="en-GB"/>
+              <a:t>Fifth level</a:t>
+            </a:r>
+            <a:endParaRPr lang="en-US"/>
+          </a:p>
+        </p:txBody>
+      </p:sp>
+      <p:sp>
+        <p:nvSpPr>
+          <p:cNvPr id="6" name="Footer Placeholder 5"/>
+          <p:cNvSpPr>
+            <a:spLocks noGrp="1"/>
+          </p:cNvSpPr>
+          <p:nvPr>
+            <p:ph type="ftr" sz="quarter" idx="4"/>
+          </p:nvPr>
+        </p:nvSpPr>
+        <p:spPr>
+          <a:xfrm>
+            <a:off x="0" y="8685213"/>
+            <a:ext cx="2971800" cy="458787"/>
+          </a:xfrm>
+          <a:prstGeom prst="rect">
+            <a:avLst/>
+          </a:prstGeom>
+        </p:spPr>
+        <p:txBody>
+          <a:bodyPr vert="horz" lIns="91440" tIns="45720" rIns="91440" bIns="45720" rtlCol="0" anchor="b"/>
+          <a:lstStyle>
+            <a:lvl1pPr algn="l">
+              <a:defRPr sz="1200"/>
+            </a:lvl1pPr>
+          </a:lstStyle>
+          <a:p>
+            <a:endParaRPr lang="en-US"/>
+          </a:p>
+        </p:txBody>
+      </p:sp>
+      <p:sp>
+        <p:nvSpPr>
+          <p:cNvPr id="7" name="Slide Number Placeholder 6"/>
+          <p:cNvSpPr>
+            <a:spLocks noGrp="1"/>
+          </p:cNvSpPr>
+          <p:nvPr>
+            <p:ph type="sldNum" sz="quarter" idx="5"/>
+          </p:nvPr>
+        </p:nvSpPr>
+        <p:spPr>
+          <a:xfrm>
+            <a:off x="3884613" y="8685213"/>
+            <a:ext cx="2971800" cy="458787"/>
+          </a:xfrm>
+          <a:prstGeom prst="rect">
+            <a:avLst/>
+          </a:prstGeom>
+        </p:spPr>
+        <p:txBody>
+          <a:bodyPr vert="horz" lIns="91440" tIns="45720" rIns="91440" bIns="45720" rtlCol="0" anchor="b"/>
+          <a:lstStyle>
+            <a:lvl1pPr algn="r">
+              <a:defRPr sz="1200"/>
+            </a:lvl1pPr>
+          </a:lstStyle>
+          <a:p>
+            <a:fld id="{A39B8314-AF67-444C-A80E-D49E79F043A6}" type="slidenum">
+              <a:rPr lang="en-US" smtClean="0"/>
+              <a:t>‹#›</a:t>
+            </a:fld>
+            <a:endParaRPr lang="en-US"/>
+          </a:p>
+        </p:txBody>
+      </p:sp>
+    </p:spTree>
+    <p:extLst>
+      <p:ext uri="{BB962C8B-B14F-4D97-AF65-F5344CB8AC3E}">
+        <p14:creationId xmlns:p14="http://schemas.microsoft.com/office/powerpoint/2010/main" val="3471688334"/>
+      </p:ext>
+    </p:extLst>
+  </p:cSld>
+  <p:clrMap bg1="lt1" tx1="dk1" bg2="lt2" tx2="dk2" accent1="accent1" accent2="accent2" accent3="accent3" accent4="accent4" accent5="accent5" accent6="accent6" hlink="hlink" folHlink="folHlink"/>
+  <p:notesStyle>
+    <a:lvl1pPr marL="0" algn="l" defTabSz="914400" rtl="0" eaLnBrk="1" latinLnBrk="0" hangingPunct="1">
+      <a:defRPr sz="1200" kern="1200">
+        <a:solidFill>
+          <a:schemeClr val="tx1"/>
+        </a:solidFill>
+        <a:latin typeface="+mn-lt"/>
+        <a:ea typeface="+mn-ea"/>
+        <a:cs typeface="+mn-cs"/>
+      </a:defRPr>
+    </a:lvl1pPr>
+    <a:lvl2pPr marL="457200" algn="l" defTabSz="914400" rtl="0" eaLnBrk="1" latinLnBrk="0" hangingPunct="1">
+      <a:defRPr sz="1200" kern="1200">
+        <a:solidFill>
+          <a:schemeClr val="tx1"/>
+        </a:solidFill>
+        <a:latin typeface="+mn-lt"/>
+        <a:ea typeface="+mn-ea"/>
+        <a:cs typeface="+mn-cs"/>
+      </a:defRPr>
+    </a:lvl2pPr>
+    <a:lvl3pPr marL="914400" algn="l" defTabSz="914400" rtl="0" eaLnBrk="1" latinLnBrk="0" hangingPunct="1">
+      <a:defRPr sz="1200" kern="1200">
+        <a:solidFill>
+          <a:schemeClr val="tx1"/>
+        </a:solidFill>
+        <a:latin typeface="+mn-lt"/>
+        <a:ea typeface="+mn-ea"/>
+        <a:cs typeface="+mn-cs"/>
+      </a:defRPr>
+    </a:lvl3pPr>
+    <a:lvl4pPr marL="1371600" algn="l" defTabSz="914400" rtl="0" eaLnBrk="1" latinLnBrk="0" hangingPunct="1">
+      <a:defRPr sz="1200" kern="1200">
+        <a:solidFill>
+          <a:schemeClr val="tx1"/>
+        </a:solidFill>
+        <a:latin typeface="+mn-lt"/>
+        <a:ea typeface="+mn-ea"/>
+        <a:cs typeface="+mn-cs"/>
+      </a:defRPr>
+    </a:lvl4pPr>
+    <a:lvl5pPr marL="1828800" algn="l" defTabSz="914400" rtl="0" eaLnBrk="1" latinLnBrk="0" hangingPunct="1">
+      <a:defRPr sz="1200" kern="1200">
+        <a:solidFill>
+          <a:schemeClr val="tx1"/>
+        </a:solidFill>
+        <a:latin typeface="+mn-lt"/>
+        <a:ea typeface="+mn-ea"/>
+        <a:cs typeface="+mn-cs"/>
+      </a:defRPr>
+    </a:lvl5pPr>
+    <a:lvl6pPr marL="2286000" algn="l" defTabSz="914400" rtl="0" eaLnBrk="1" latinLnBrk="0" hangingPunct="1">
+      <a:defRPr sz="1200" kern="1200">
+        <a:solidFill>
+          <a:schemeClr val="tx1"/>
+        </a:solidFill>
+        <a:latin typeface="+mn-lt"/>
+        <a:ea typeface="+mn-ea"/>
+        <a:cs typeface="+mn-cs"/>
+      </a:defRPr>
+    </a:lvl6pPr>
+    <a:lvl7pPr marL="2743200" algn="l" defTabSz="914400" rtl="0" eaLnBrk="1" latinLnBrk="0" hangingPunct="1">
+      <a:defRPr sz="1200" kern="1200">
+        <a:solidFill>
+          <a:schemeClr val="tx1"/>
+        </a:solidFill>
+        <a:latin typeface="+mn-lt"/>
+        <a:ea typeface="+mn-ea"/>
+        <a:cs typeface="+mn-cs"/>
+      </a:defRPr>
+    </a:lvl7pPr>
+    <a:lvl8pPr marL="3200400" algn="l" defTabSz="914400" rtl="0" eaLnBrk="1" latinLnBrk="0" hangingPunct="1">
+      <a:defRPr sz="1200" kern="1200">
+        <a:solidFill>
+          <a:schemeClr val="tx1"/>
+        </a:solidFill>
+        <a:latin typeface="+mn-lt"/>
+        <a:ea typeface="+mn-ea"/>
+        <a:cs typeface="+mn-cs"/>
+      </a:defRPr>
+    </a:lvl8pPr>
+    <a:lvl9pPr marL="3657600" algn="l" defTabSz="914400" rtl="0" eaLnBrk="1" latinLnBrk="0" hangingPunct="1">
+      <a:defRPr sz="1200" kern="1200">
+        <a:solidFill>
+          <a:schemeClr val="tx1"/>
+        </a:solidFill>
+        <a:latin typeface="+mn-lt"/>
+        <a:ea typeface="+mn-ea"/>
+        <a:cs typeface="+mn-cs"/>
+      </a:defRPr>
+    </a:lvl9pPr>
+  </p:notesStyle>
+</p:notesMaster>
+</file>
+
+<file path=ppt/notesSlides/notesSlide1.xml><?xml version="1.0" encoding="utf-8"?>
+<p:notes xmlns:a="http://schemas.openxmlformats.org/drawingml/2006/main" xmlns:r="http://schemas.openxmlformats.org/officeDocument/2006/relationships" xmlns:p="http://schemas.openxmlformats.org/presentationml/2006/main">
+  <p:cSld>
+    <p:spTree>
+      <p:nvGrpSpPr>
+        <p:cNvPr id="1" name=""/>
+        <p:cNvGrpSpPr/>
+        <p:nvPr/>
+      </p:nvGrpSpPr>
+      <p:grpSpPr>
+        <a:xfrm>
+          <a:off x="0" y="0"/>
+          <a:ext cx="0" cy="0"/>
+          <a:chOff x="0" y="0"/>
+          <a:chExt cx="0" cy="0"/>
+        </a:xfrm>
+      </p:grpSpPr>
+      <p:sp>
+        <p:nvSpPr>
+          <p:cNvPr id="2" name="Slide Image Placeholder 1"/>
+          <p:cNvSpPr>
+            <a:spLocks noGrp="1" noRot="1" noChangeAspect="1"/>
+          </p:cNvSpPr>
+          <p:nvPr>
+            <p:ph type="sldImg"/>
+          </p:nvPr>
+        </p:nvSpPr>
+        <p:spPr/>
+      </p:sp>
+      <p:sp>
+        <p:nvSpPr>
+          <p:cNvPr id="3" name="Notes Placeholder 2"/>
+          <p:cNvSpPr>
+            <a:spLocks noGrp="1"/>
+          </p:cNvSpPr>
+          <p:nvPr>
+            <p:ph type="body" idx="1"/>
+          </p:nvPr>
+        </p:nvSpPr>
+        <p:spPr/>
+        <p:txBody>
+          <a:bodyPr/>
+          <a:lstStyle/>
+          <a:p>
+            <a:endParaRPr lang="en-US" dirty="0"/>
+          </a:p>
+        </p:txBody>
+      </p:sp>
+      <p:sp>
+        <p:nvSpPr>
+          <p:cNvPr id="4" name="Slide Number Placeholder 3"/>
+          <p:cNvSpPr>
+            <a:spLocks noGrp="1"/>
+          </p:cNvSpPr>
+          <p:nvPr>
+            <p:ph type="sldNum" sz="quarter" idx="5"/>
+          </p:nvPr>
+        </p:nvSpPr>
+        <p:spPr/>
+        <p:txBody>
+          <a:bodyPr/>
+          <a:lstStyle/>
+          <a:p>
+            <a:fld id="{A39B8314-AF67-444C-A80E-D49E79F043A6}" type="slidenum">
+              <a:rPr lang="en-US" smtClean="0"/>
+              <a:t>5</a:t>
+            </a:fld>
+            <a:endParaRPr lang="en-US"/>
+          </a:p>
+        </p:txBody>
+      </p:sp>
+    </p:spTree>
+    <p:extLst>
+      <p:ext uri="{BB962C8B-B14F-4D97-AF65-F5344CB8AC3E}">
+        <p14:creationId xmlns:p14="http://schemas.microsoft.com/office/powerpoint/2010/main" val="3909895004"/>
+      </p:ext>
+    </p:extLst>
+  </p:cSld>
+  <p:clrMapOvr>
+    <a:masterClrMapping/>
+  </p:clrMapOvr>
+</p:notes>
+</file>
+
+<file path=ppt/notesSlides/notesSlide2.xml><?xml version="1.0" encoding="utf-8"?>
+<p:notes xmlns:a="http://schemas.openxmlformats.org/drawingml/2006/main" xmlns:r="http://schemas.openxmlformats.org/officeDocument/2006/relationships" xmlns:p="http://schemas.openxmlformats.org/presentationml/2006/main">
+  <p:cSld>
+    <p:spTree>
+      <p:nvGrpSpPr>
+        <p:cNvPr id="1" name=""/>
+        <p:cNvGrpSpPr/>
+        <p:nvPr/>
+      </p:nvGrpSpPr>
+      <p:grpSpPr>
+        <a:xfrm>
+          <a:off x="0" y="0"/>
+          <a:ext cx="0" cy="0"/>
+          <a:chOff x="0" y="0"/>
+          <a:chExt cx="0" cy="0"/>
+        </a:xfrm>
+      </p:grpSpPr>
+      <p:sp>
+        <p:nvSpPr>
+          <p:cNvPr id="2" name="Slide Image Placeholder 1"/>
+          <p:cNvSpPr>
+            <a:spLocks noGrp="1" noRot="1" noChangeAspect="1"/>
+          </p:cNvSpPr>
+          <p:nvPr>
+            <p:ph type="sldImg"/>
+          </p:nvPr>
+        </p:nvSpPr>
+        <p:spPr/>
+      </p:sp>
+      <p:sp>
+        <p:nvSpPr>
+          <p:cNvPr id="3" name="Notes Placeholder 2"/>
+          <p:cNvSpPr>
+            <a:spLocks noGrp="1"/>
+          </p:cNvSpPr>
+          <p:nvPr>
+            <p:ph type="body" idx="1"/>
+          </p:nvPr>
+        </p:nvSpPr>
+        <p:spPr/>
+        <p:txBody>
+          <a:bodyPr/>
+          <a:lstStyle/>
+          <a:p>
+            <a:endParaRPr lang="en-US"/>
+          </a:p>
+        </p:txBody>
+      </p:sp>
+      <p:sp>
+        <p:nvSpPr>
+          <p:cNvPr id="4" name="Slide Number Placeholder 3"/>
+          <p:cNvSpPr>
+            <a:spLocks noGrp="1"/>
+          </p:cNvSpPr>
+          <p:nvPr>
+            <p:ph type="sldNum" sz="quarter" idx="5"/>
+          </p:nvPr>
+        </p:nvSpPr>
+        <p:spPr/>
+        <p:txBody>
+          <a:bodyPr/>
+          <a:lstStyle/>
+          <a:p>
+            <a:fld id="{A39B8314-AF67-444C-A80E-D49E79F043A6}" type="slidenum">
+              <a:rPr lang="en-US" smtClean="0"/>
+              <a:t>6</a:t>
+            </a:fld>
+            <a:endParaRPr lang="en-US"/>
+          </a:p>
+        </p:txBody>
+      </p:sp>
+    </p:spTree>
+    <p:extLst>
+      <p:ext uri="{BB962C8B-B14F-4D97-AF65-F5344CB8AC3E}">
+        <p14:creationId xmlns:p14="http://schemas.microsoft.com/office/powerpoint/2010/main" val="4260335495"/>
+      </p:ext>
+    </p:extLst>
+  </p:cSld>
+  <p:clrMapOvr>
+    <a:masterClrMapping/>
+  </p:clrMapOvr>
+</p:notes>
+</file>
+
+<file path=ppt/notesSlides/notesSlide3.xml><?xml version="1.0" encoding="utf-8"?>
+<p:notes xmlns:a="http://schemas.openxmlformats.org/drawingml/2006/main" xmlns:r="http://schemas.openxmlformats.org/officeDocument/2006/relationships" xmlns:p="http://schemas.openxmlformats.org/presentationml/2006/main">
+  <p:cSld>
+    <p:spTree>
+      <p:nvGrpSpPr>
+        <p:cNvPr id="1" name=""/>
+        <p:cNvGrpSpPr/>
+        <p:nvPr/>
+      </p:nvGrpSpPr>
+      <p:grpSpPr>
+        <a:xfrm>
+          <a:off x="0" y="0"/>
+          <a:ext cx="0" cy="0"/>
+          <a:chOff x="0" y="0"/>
+          <a:chExt cx="0" cy="0"/>
+        </a:xfrm>
+      </p:grpSpPr>
+      <p:sp>
+        <p:nvSpPr>
+          <p:cNvPr id="2" name="Slide Image Placeholder 1"/>
+          <p:cNvSpPr>
+            <a:spLocks noGrp="1" noRot="1" noChangeAspect="1"/>
+          </p:cNvSpPr>
+          <p:nvPr>
+            <p:ph type="sldImg"/>
+          </p:nvPr>
+        </p:nvSpPr>
+        <p:spPr/>
+      </p:sp>
+      <p:sp>
+        <p:nvSpPr>
+          <p:cNvPr id="3" name="Notes Placeholder 2"/>
+          <p:cNvSpPr>
+            <a:spLocks noGrp="1"/>
+          </p:cNvSpPr>
+          <p:nvPr>
+            <p:ph type="body" idx="1"/>
+          </p:nvPr>
+        </p:nvSpPr>
+        <p:spPr/>
+        <p:txBody>
+          <a:bodyPr/>
+          <a:lstStyle/>
+          <a:p>
+            <a:endParaRPr lang="en-US"/>
+          </a:p>
+        </p:txBody>
+      </p:sp>
+      <p:sp>
+        <p:nvSpPr>
+          <p:cNvPr id="4" name="Slide Number Placeholder 3"/>
+          <p:cNvSpPr>
+            <a:spLocks noGrp="1"/>
+          </p:cNvSpPr>
+          <p:nvPr>
+            <p:ph type="sldNum" sz="quarter" idx="5"/>
+          </p:nvPr>
+        </p:nvSpPr>
+        <p:spPr/>
+        <p:txBody>
+          <a:bodyPr/>
+          <a:lstStyle/>
+          <a:p>
+            <a:fld id="{A39B8314-AF67-444C-A80E-D49E79F043A6}" type="slidenum">
+              <a:rPr lang="en-US" smtClean="0"/>
+              <a:t>7</a:t>
+            </a:fld>
+            <a:endParaRPr lang="en-US"/>
+          </a:p>
+        </p:txBody>
+      </p:sp>
+    </p:spTree>
+    <p:extLst>
+      <p:ext uri="{BB962C8B-B14F-4D97-AF65-F5344CB8AC3E}">
+        <p14:creationId xmlns:p14="http://schemas.microsoft.com/office/powerpoint/2010/main" val="3212142154"/>
+      </p:ext>
+    </p:extLst>
+  </p:cSld>
+  <p:clrMapOvr>
+    <a:masterClrMapping/>
+  </p:clrMapOvr>
+</p:notes>
 </file>
 
 <file path=ppt/slideLayouts/slideLayout1.xml><?xml version="1.0" encoding="utf-8"?>
@@ -851,7 +1459,7 @@
             <a:fld id="{B61BEF0D-F0BB-DE4B-95CE-6DB70DBA9567}" type="datetimeFigureOut">
               <a:rPr lang="en-US" dirty="0"/>
               <a:pPr/>
-              <a:t>1/17/21</a:t>
+              <a:t>1/21/21</a:t>
             </a:fld>
             <a:endParaRPr lang="en-US" dirty="0"/>
           </a:p>
@@ -1099,7 +1707,7 @@
             <a:fld id="{B61BEF0D-F0BB-DE4B-95CE-6DB70DBA9567}" type="datetimeFigureOut">
               <a:rPr lang="en-US" dirty="0"/>
               <a:pPr/>
-              <a:t>1/17/21</a:t>
+              <a:t>1/21/21</a:t>
             </a:fld>
             <a:endParaRPr lang="en-US" dirty="0"/>
           </a:p>
@@ -1410,7 +2018,7 @@
             <a:fld id="{B61BEF0D-F0BB-DE4B-95CE-6DB70DBA9567}" type="datetimeFigureOut">
               <a:rPr lang="en-US" dirty="0"/>
               <a:pPr/>
-              <a:t>1/17/21</a:t>
+              <a:t>1/21/21</a:t>
             </a:fld>
             <a:endParaRPr lang="en-US" dirty="0"/>
           </a:p>
@@ -1748,7 +2356,7 @@
             <a:fld id="{B61BEF0D-F0BB-DE4B-95CE-6DB70DBA9567}" type="datetimeFigureOut">
               <a:rPr lang="en-US" dirty="0"/>
               <a:pPr/>
-              <a:t>1/17/21</a:t>
+              <a:t>1/21/21</a:t>
             </a:fld>
             <a:endParaRPr lang="en-US" dirty="0"/>
           </a:p>
@@ -2059,7 +2667,7 @@
             <a:fld id="{B61BEF0D-F0BB-DE4B-95CE-6DB70DBA9567}" type="datetimeFigureOut">
               <a:rPr lang="en-US" dirty="0"/>
               <a:pPr/>
-              <a:t>1/17/21</a:t>
+              <a:t>1/21/21</a:t>
             </a:fld>
             <a:endParaRPr lang="en-US" dirty="0"/>
           </a:p>
@@ -2449,7 +3057,7 @@
             <a:fld id="{B61BEF0D-F0BB-DE4B-95CE-6DB70DBA9567}" type="datetimeFigureOut">
               <a:rPr lang="en-US" dirty="0"/>
               <a:pPr/>
-              <a:t>1/17/21</a:t>
+              <a:t>1/21/21</a:t>
             </a:fld>
             <a:endParaRPr lang="en-US" dirty="0"/>
           </a:p>
@@ -2615,7 +3223,7 @@
           <a:p>
             <a:fld id="{55C6B4A9-1611-4792-9094-5F34BCA07E0B}" type="datetimeFigureOut">
               <a:rPr lang="en-US" dirty="0"/>
-              <a:t>1/17/21</a:t>
+              <a:t>1/21/21</a:t>
             </a:fld>
             <a:endParaRPr lang="en-US" dirty="0"/>
           </a:p>
@@ -2791,7 +3399,7 @@
             <a:fld id="{B61BEF0D-F0BB-DE4B-95CE-6DB70DBA9567}" type="datetimeFigureOut">
               <a:rPr lang="en-US" dirty="0"/>
               <a:pPr/>
-              <a:t>1/17/21</a:t>
+              <a:t>1/21/21</a:t>
             </a:fld>
             <a:endParaRPr lang="en-US" dirty="0"/>
           </a:p>
@@ -2964,7 +3572,7 @@
             <a:fld id="{B61BEF0D-F0BB-DE4B-95CE-6DB70DBA9567}" type="datetimeFigureOut">
               <a:rPr lang="en-US" dirty="0"/>
               <a:pPr/>
-              <a:t>1/17/21</a:t>
+              <a:t>1/21/21</a:t>
             </a:fld>
             <a:endParaRPr lang="en-US" dirty="0"/>
           </a:p>
@@ -3208,7 +3816,7 @@
             <a:fld id="{B61BEF0D-F0BB-DE4B-95CE-6DB70DBA9567}" type="datetimeFigureOut">
               <a:rPr lang="en-US" dirty="0"/>
               <a:pPr/>
-              <a:t>1/17/21</a:t>
+              <a:t>1/21/21</a:t>
             </a:fld>
             <a:endParaRPr lang="en-US" dirty="0"/>
           </a:p>
@@ -3436,7 +4044,7 @@
           <a:p>
             <a:fld id="{EB712588-04B1-427B-82EE-E8DB90309F08}" type="datetimeFigureOut">
               <a:rPr lang="en-US" dirty="0"/>
-              <a:t>1/17/21</a:t>
+              <a:t>1/21/21</a:t>
             </a:fld>
             <a:endParaRPr lang="en-US" dirty="0"/>
           </a:p>
@@ -3806,7 +4414,7 @@
             <a:fld id="{B61BEF0D-F0BB-DE4B-95CE-6DB70DBA9567}" type="datetimeFigureOut">
               <a:rPr lang="en-US" dirty="0"/>
               <a:pPr/>
-              <a:t>1/17/21</a:t>
+              <a:t>1/21/21</a:t>
             </a:fld>
             <a:endParaRPr lang="en-US" dirty="0"/>
           </a:p>
@@ -3926,7 +4534,7 @@
             <a:fld id="{B61BEF0D-F0BB-DE4B-95CE-6DB70DBA9567}" type="datetimeFigureOut">
               <a:rPr lang="en-US" dirty="0"/>
               <a:pPr/>
-              <a:t>1/17/21</a:t>
+              <a:t>1/21/21</a:t>
             </a:fld>
             <a:endParaRPr lang="en-US" dirty="0"/>
           </a:p>
@@ -4018,7 +4626,7 @@
             <a:fld id="{B61BEF0D-F0BB-DE4B-95CE-6DB70DBA9567}" type="datetimeFigureOut">
               <a:rPr lang="en-US" dirty="0"/>
               <a:pPr/>
-              <a:t>1/17/21</a:t>
+              <a:t>1/21/21</a:t>
             </a:fld>
             <a:endParaRPr lang="en-US" dirty="0"/>
           </a:p>
@@ -4269,7 +4877,7 @@
           <a:p>
             <a:fld id="{42A54C80-263E-416B-A8E0-580EDEADCBDC}" type="datetimeFigureOut">
               <a:rPr lang="en-US" dirty="0"/>
-              <a:t>1/17/21</a:t>
+              <a:t>1/21/21</a:t>
             </a:fld>
             <a:endParaRPr lang="en-US" dirty="0"/>
           </a:p>
@@ -4528,7 +5136,7 @@
             <a:fld id="{B61BEF0D-F0BB-DE4B-95CE-6DB70DBA9567}" type="datetimeFigureOut">
               <a:rPr lang="en-US" dirty="0"/>
               <a:pPr/>
-              <a:t>1/17/21</a:t>
+              <a:t>1/21/21</a:t>
             </a:fld>
             <a:endParaRPr lang="en-US" dirty="0"/>
           </a:p>
@@ -5268,7 +5876,7 @@
             <a:fld id="{B61BEF0D-F0BB-DE4B-95CE-6DB70DBA9567}" type="datetimeFigureOut">
               <a:rPr lang="en-US" dirty="0"/>
               <a:pPr/>
-              <a:t>1/17/21</a:t>
+              <a:t>1/21/21</a:t>
             </a:fld>
             <a:endParaRPr lang="en-US" dirty="0"/>
           </a:p>
@@ -5879,7 +6487,7 @@
           <p:cNvPr id="2" name="Title 1">
             <a:extLst>
               <a:ext uri="{FF2B5EF4-FFF2-40B4-BE49-F238E27FC236}">
-                <a16:creationId xmlns:a16="http://schemas.microsoft.com/office/drawing/2014/main" id="{497AF301-51EB-7C4E-BF94-14DDD58441A7}"/>
+                <a16:creationId xmlns:a16="http://schemas.microsoft.com/office/drawing/2014/main" id="{45B68E07-3468-9944-B4BD-2DB30EA56708}"/>
               </a:ext>
             </a:extLst>
           </p:cNvPr>
@@ -5897,7 +6505,7 @@
           <a:p>
             <a:r>
               <a:rPr lang="en-US" dirty="0"/>
-              <a:t>Box Sizing</a:t>
+              <a:t>Background Images</a:t>
             </a:r>
           </a:p>
         </p:txBody>
@@ -5907,7 +6515,7 @@
           <p:cNvPr id="3" name="Content Placeholder 2">
             <a:extLst>
               <a:ext uri="{FF2B5EF4-FFF2-40B4-BE49-F238E27FC236}">
-                <a16:creationId xmlns:a16="http://schemas.microsoft.com/office/drawing/2014/main" id="{83188775-3B0A-8841-836E-014DAD8DD7D8}"/>
+                <a16:creationId xmlns:a16="http://schemas.microsoft.com/office/drawing/2014/main" id="{E0FA4F7B-C036-FF49-9818-1FBEB3C9A1BA}"/>
               </a:ext>
             </a:extLst>
           </p:cNvPr>
@@ -5920,8 +6528,8 @@
         </p:nvSpPr>
         <p:spPr>
           <a:xfrm>
-            <a:off x="677334" y="1303283"/>
-            <a:ext cx="8596668" cy="4738079"/>
+            <a:off x="677334" y="1355835"/>
+            <a:ext cx="8596668" cy="4685528"/>
           </a:xfrm>
         </p:spPr>
         <p:txBody>
@@ -5929,48 +6537,62 @@
           <a:lstStyle/>
           <a:p>
             <a:r>
-              <a:rPr lang="en-IN" dirty="0"/>
-              <a:t>The CSS box-sizing property allows us to include the padding and border in an element's total width and height.</a:t>
-            </a:r>
-          </a:p>
-          <a:p>
-            <a:endParaRPr lang="en-IN" dirty="0"/>
-          </a:p>
-          <a:p>
-            <a:r>
-              <a:rPr lang="en-IN" dirty="0"/>
-              <a:t>By default, the width and height of an element is calculated like this:</a:t>
+              <a:rPr lang="en-US" dirty="0"/>
+              <a:t>background-image: </a:t>
+            </a:r>
+            <a:r>
+              <a:rPr lang="en-US" dirty="0" err="1"/>
+              <a:t>url</a:t>
+            </a:r>
+            <a:r>
+              <a:rPr lang="en-US" dirty="0"/>
+              <a:t>("</a:t>
+            </a:r>
+            <a:r>
+              <a:rPr lang="en-US" dirty="0" err="1"/>
+              <a:t>image.jpg</a:t>
+            </a:r>
+            <a:r>
+              <a:rPr lang="en-US" dirty="0"/>
+              <a:t>");</a:t>
+            </a:r>
+          </a:p>
+          <a:p>
+            <a:endParaRPr lang="en-US" dirty="0"/>
+          </a:p>
+          <a:p>
+            <a:r>
+              <a:rPr lang="en-US" dirty="0"/>
+              <a:t>Background Image Properties:</a:t>
             </a:r>
           </a:p>
           <a:p>
             <a:pPr lvl="1"/>
             <a:r>
-              <a:rPr lang="en-IN" dirty="0"/>
-              <a:t>width + padding + border = actual width of an element</a:t>
-            </a:r>
-            <a:br>
-              <a:rPr lang="en-IN" dirty="0"/>
-            </a:br>
-            <a:r>
-              <a:rPr lang="en-IN" dirty="0"/>
-              <a:t>height + padding + border = actual height of an element</a:t>
-            </a:r>
-          </a:p>
-          <a:p>
-            <a:r>
-              <a:rPr lang="en-IN" dirty="0"/>
-              <a:t>This means: When you set the width/height of an element, the element often appears bigger than you have set (because the element's border and padding are added to the element's specified width/height).</a:t>
-            </a:r>
-          </a:p>
-          <a:p>
-            <a:endParaRPr lang="en-US" dirty="0"/>
+              <a:rPr lang="en-US" dirty="0"/>
+              <a:t>background-repeat: no-repeat;</a:t>
+            </a:r>
+          </a:p>
+          <a:p>
+            <a:pPr lvl="1"/>
+            <a:r>
+              <a:rPr lang="en-US" dirty="0"/>
+              <a:t>background-position: center;</a:t>
+            </a:r>
+          </a:p>
+          <a:p>
+            <a:pPr lvl="1"/>
+            <a:r>
+              <a:rPr lang="en-US" dirty="0"/>
+              <a:t>background-size: cover;</a:t>
+            </a:r>
           </a:p>
         </p:txBody>
       </p:sp>
     </p:spTree>
     <p:extLst>
       <p:ext uri="{BB962C8B-B14F-4D97-AF65-F5344CB8AC3E}">
-        <p14:creationId xmlns:p14="http://schemas.microsoft.com/office/powerpoint/2010/main" val="31607630"/>
+        <p14:creationId xmlns:p14="http://schemas.microsoft.com/office/powerpoint/2010/main" val="3111637232"/>
       </p:ext>
     </p:extLst>
   </p:cSld>
@@ -6002,7 +6624,7 @@
           <p:cNvPr id="2" name="Title 1">
             <a:extLst>
               <a:ext uri="{FF2B5EF4-FFF2-40B4-BE49-F238E27FC236}">
-                <a16:creationId xmlns:a16="http://schemas.microsoft.com/office/drawing/2014/main" id="{8D001AAD-7BA3-8848-8E6F-C640CE7CE23E}"/>
+                <a16:creationId xmlns:a16="http://schemas.microsoft.com/office/drawing/2014/main" id="{7372C425-3194-7B4A-9EC8-243EEC47D62D}"/>
               </a:ext>
             </a:extLst>
           </p:cNvPr>
@@ -6020,8 +6642,11 @@
           <a:p>
             <a:r>
               <a:rPr lang="en-IN" dirty="0"/>
-              <a:t>Box Shadow</a:t>
-            </a:r>
+              <a:t>The Position Property</a:t>
+            </a:r>
+            <a:br>
+              <a:rPr lang="en-IN" dirty="0"/>
+            </a:br>
             <a:endParaRPr lang="en-US" dirty="0"/>
           </a:p>
         </p:txBody>
@@ -6031,7 +6656,7 @@
           <p:cNvPr id="3" name="Content Placeholder 2">
             <a:extLst>
               <a:ext uri="{FF2B5EF4-FFF2-40B4-BE49-F238E27FC236}">
-                <a16:creationId xmlns:a16="http://schemas.microsoft.com/office/drawing/2014/main" id="{FE0615EA-8E42-114D-9E78-7CF48556CD4B}"/>
+                <a16:creationId xmlns:a16="http://schemas.microsoft.com/office/drawing/2014/main" id="{B9CDEA36-CB63-FA4E-A138-3AE5BF16F974}"/>
               </a:ext>
             </a:extLst>
           </p:cNvPr>
@@ -6044,8 +6669,8 @@
         </p:nvSpPr>
         <p:spPr>
           <a:xfrm>
-            <a:off x="677334" y="1450429"/>
-            <a:ext cx="8596668" cy="4590934"/>
+            <a:off x="677334" y="1481071"/>
+            <a:ext cx="8596668" cy="4560292"/>
           </a:xfrm>
         </p:spPr>
         <p:txBody>
@@ -6053,14 +6678,69 @@
           <a:lstStyle/>
           <a:p>
             <a:r>
-              <a:rPr lang="en-US" dirty="0"/>
-              <a:t>Syntax:</a:t>
+              <a:rPr lang="en-IN" dirty="0"/>
+              <a:t>The position property specifies the type of positioning method used for an element.</a:t>
+            </a:r>
+          </a:p>
+          <a:p>
+            <a:r>
+              <a:rPr lang="en-IN" dirty="0"/>
+              <a:t>There are five different position values:</a:t>
             </a:r>
           </a:p>
           <a:p>
             <a:pPr lvl="1"/>
             <a:r>
               <a:rPr lang="en-IN" dirty="0"/>
+              <a:t>static</a:t>
+            </a:r>
+          </a:p>
+          <a:p>
+            <a:pPr lvl="1"/>
+            <a:r>
+              <a:rPr lang="en-IN" dirty="0"/>
+              <a:t>relative</a:t>
+            </a:r>
+          </a:p>
+          <a:p>
+            <a:pPr lvl="1"/>
+            <a:r>
+              <a:rPr lang="en-IN" dirty="0"/>
+              <a:t>fixed</a:t>
+            </a:r>
+          </a:p>
+          <a:p>
+            <a:pPr lvl="1"/>
+            <a:r>
+              <a:rPr lang="en-IN" dirty="0"/>
+              <a:t>absolute</a:t>
+            </a:r>
+          </a:p>
+          <a:p>
+            <a:pPr lvl="1"/>
+            <a:r>
+              <a:rPr lang="en-IN" dirty="0"/>
+              <a:t>Sticky</a:t>
+            </a:r>
+          </a:p>
+          <a:p>
+            <a:r>
+              <a:rPr lang="en-IN" b="1" dirty="0" err="1"/>
+              <a:t>Synatx</a:t>
+            </a:r>
+            <a:r>
+              <a:rPr lang="en-IN" b="1" dirty="0"/>
+              <a:t> </a:t>
+            </a:r>
+            <a:r>
+              <a:rPr lang="en-IN" dirty="0"/>
+              <a:t>: </a:t>
+            </a:r>
+          </a:p>
+          <a:p>
+            <a:pPr lvl="1"/>
+            <a:r>
+              <a:rPr lang="en-IN" dirty="0"/>
               <a:t>.div {</a:t>
             </a:r>
             <a:br>
@@ -6068,63 +6748,23 @@
             </a:br>
             <a:r>
               <a:rPr lang="en-IN" dirty="0"/>
-              <a:t>  box-shadow: 10px 10px 8px #888888;</a:t>
+              <a:t>  position: static;</a:t>
             </a:r>
             <a:br>
               <a:rPr lang="en-IN" dirty="0"/>
             </a:br>
             <a:r>
               <a:rPr lang="en-IN" dirty="0"/>
-              <a:t>}</a:t>
-            </a:r>
-            <a:endParaRPr lang="en-US" dirty="0"/>
-          </a:p>
-          <a:p>
-            <a:r>
-              <a:rPr lang="en-IN" dirty="0"/>
-              <a:t>The first value is the horizontal offset </a:t>
-            </a:r>
-          </a:p>
-          <a:p>
-            <a:r>
-              <a:rPr lang="en-IN" dirty="0"/>
-              <a:t>The second value is the vertical offset. </a:t>
-            </a:r>
-          </a:p>
-          <a:p>
-            <a:r>
-              <a:rPr lang="en-IN" dirty="0"/>
-              <a:t>The third value adds a blur effect to the shadow.</a:t>
-            </a:r>
-          </a:p>
-          <a:p>
-            <a:r>
-              <a:rPr lang="en-IN" dirty="0"/>
-              <a:t>The fourth value is shadow </a:t>
-            </a:r>
-            <a:r>
-              <a:rPr lang="en-IN" dirty="0" err="1"/>
-              <a:t>color</a:t>
-            </a:r>
-            <a:r>
-              <a:rPr lang="en-IN" dirty="0"/>
-              <a:t> (if not provided will be inherited from the text </a:t>
-            </a:r>
-            <a:r>
-              <a:rPr lang="en-IN" dirty="0" err="1"/>
-              <a:t>color</a:t>
-            </a:r>
-            <a:r>
-              <a:rPr lang="en-IN" dirty="0"/>
-              <a:t>.)</a:t>
-            </a:r>
+              <a:t> }</a:t>
+            </a:r>
+            <a:endParaRPr lang="en-US" dirty="0"/>
           </a:p>
         </p:txBody>
       </p:sp>
     </p:spTree>
     <p:extLst>
       <p:ext uri="{BB962C8B-B14F-4D97-AF65-F5344CB8AC3E}">
-        <p14:creationId xmlns:p14="http://schemas.microsoft.com/office/powerpoint/2010/main" val="3380580480"/>
+        <p14:creationId xmlns:p14="http://schemas.microsoft.com/office/powerpoint/2010/main" val="3013504422"/>
       </p:ext>
     </p:extLst>
   </p:cSld>
@@ -6156,7 +6796,7 @@
           <p:cNvPr id="2" name="Title 1">
             <a:extLst>
               <a:ext uri="{FF2B5EF4-FFF2-40B4-BE49-F238E27FC236}">
-                <a16:creationId xmlns:a16="http://schemas.microsoft.com/office/drawing/2014/main" id="{E7B73D43-C5E6-B749-B237-D94FA9E7F0C3}"/>
+                <a16:creationId xmlns:a16="http://schemas.microsoft.com/office/drawing/2014/main" id="{497AF301-51EB-7C4E-BF94-14DDD58441A7}"/>
               </a:ext>
             </a:extLst>
           </p:cNvPr>
@@ -6167,19 +6807,14 @@
             <p:ph type="title"/>
           </p:nvPr>
         </p:nvSpPr>
-        <p:spPr>
-          <a:xfrm>
-            <a:off x="677334" y="609600"/>
-            <a:ext cx="8596668" cy="693683"/>
-          </a:xfrm>
-        </p:spPr>
+        <p:spPr/>
         <p:txBody>
           <a:bodyPr/>
           <a:lstStyle/>
           <a:p>
             <a:r>
               <a:rPr lang="en-US" dirty="0"/>
-              <a:t>Border</a:t>
+              <a:t>Box Sizing</a:t>
             </a:r>
           </a:p>
         </p:txBody>
@@ -6189,7 +6824,7 @@
           <p:cNvPr id="3" name="Content Placeholder 2">
             <a:extLst>
               <a:ext uri="{FF2B5EF4-FFF2-40B4-BE49-F238E27FC236}">
-                <a16:creationId xmlns:a16="http://schemas.microsoft.com/office/drawing/2014/main" id="{A19999F4-6F63-E643-8B81-306BC879EC72}"/>
+                <a16:creationId xmlns:a16="http://schemas.microsoft.com/office/drawing/2014/main" id="{83188775-3B0A-8841-836E-014DAD8DD7D8}"/>
               </a:ext>
             </a:extLst>
           </p:cNvPr>
@@ -6202,8 +6837,8 @@
         </p:nvSpPr>
         <p:spPr>
           <a:xfrm>
-            <a:off x="677334" y="1376855"/>
-            <a:ext cx="8596668" cy="4664507"/>
+            <a:off x="677334" y="1303283"/>
+            <a:ext cx="8596668" cy="4738079"/>
           </a:xfrm>
         </p:spPr>
         <p:txBody>
@@ -6211,86 +6846,40 @@
           <a:lstStyle/>
           <a:p>
             <a:r>
-              <a:rPr lang="en-US" dirty="0"/>
-              <a:t>Syntax:</a:t>
+              <a:rPr lang="en-IN" dirty="0"/>
+              <a:t>The CSS box-sizing property allows us to include the padding and border in an element's total width and height.</a:t>
+            </a:r>
+          </a:p>
+          <a:p>
+            <a:endParaRPr lang="en-IN" dirty="0"/>
+          </a:p>
+          <a:p>
+            <a:r>
+              <a:rPr lang="en-IN" dirty="0"/>
+              <a:t>By default, the width and height of an element is calculated like this:</a:t>
             </a:r>
           </a:p>
           <a:p>
             <a:pPr lvl="1"/>
             <a:r>
               <a:rPr lang="en-IN" dirty="0"/>
-              <a:t>.div {</a:t>
+              <a:t>width + padding + border = actual width of an element</a:t>
             </a:r>
             <a:br>
               <a:rPr lang="en-IN" dirty="0"/>
             </a:br>
             <a:r>
               <a:rPr lang="en-IN" dirty="0"/>
-              <a:t>  border: 5px solid red;</a:t>
-            </a:r>
-            <a:br>
-              <a:rPr lang="en-IN" dirty="0"/>
-            </a:br>
-            <a:r>
-              <a:rPr lang="en-IN" dirty="0"/>
-              <a:t>}</a:t>
-            </a:r>
-          </a:p>
-          <a:p>
-            <a:r>
-              <a:rPr lang="en-IN" dirty="0"/>
-              <a:t>The first value is border width</a:t>
-            </a:r>
-          </a:p>
-          <a:p>
-            <a:r>
-              <a:rPr lang="en-IN" dirty="0"/>
-              <a:t>Second value is border style</a:t>
-            </a:r>
-          </a:p>
-          <a:p>
-            <a:pPr lvl="1"/>
-            <a:r>
-              <a:rPr lang="en-IN" dirty="0"/>
-              <a:t>Border styles can be :</a:t>
-            </a:r>
-          </a:p>
-          <a:p>
-            <a:pPr lvl="2"/>
-            <a:r>
-              <a:rPr lang="en-IN" dirty="0"/>
-              <a:t>Dotted</a:t>
-            </a:r>
-          </a:p>
-          <a:p>
-            <a:pPr lvl="2"/>
-            <a:r>
-              <a:rPr lang="en-IN" dirty="0"/>
-              <a:t>Dashed</a:t>
-            </a:r>
-          </a:p>
-          <a:p>
-            <a:pPr lvl="2"/>
-            <a:r>
-              <a:rPr lang="en-IN" dirty="0"/>
-              <a:t>Groove</a:t>
-            </a:r>
-          </a:p>
-          <a:p>
-            <a:pPr lvl="2"/>
-            <a:r>
-              <a:rPr lang="en-IN" dirty="0"/>
-              <a:t>Ridge(etc)</a:t>
-            </a:r>
-          </a:p>
-          <a:p>
-            <a:r>
-              <a:rPr lang="en-IN" dirty="0"/>
-              <a:t>Third value is border colour</a:t>
-            </a:r>
-            <a:br>
-              <a:rPr lang="en-IN" dirty="0"/>
-            </a:br>
+              <a:t>height + padding + border = actual height of an element</a:t>
+            </a:r>
+          </a:p>
+          <a:p>
+            <a:r>
+              <a:rPr lang="en-IN" dirty="0"/>
+              <a:t>This means: When you set the width/height of an element, the element often appears bigger than you have set (because the element's border and padding are added to the element's specified width/height).</a:t>
+            </a:r>
+          </a:p>
+          <a:p>
             <a:endParaRPr lang="en-US" dirty="0"/>
           </a:p>
         </p:txBody>
@@ -6298,7 +6887,7 @@
     </p:spTree>
     <p:extLst>
       <p:ext uri="{BB962C8B-B14F-4D97-AF65-F5344CB8AC3E}">
-        <p14:creationId xmlns:p14="http://schemas.microsoft.com/office/powerpoint/2010/main" val="1837818047"/>
+        <p14:creationId xmlns:p14="http://schemas.microsoft.com/office/powerpoint/2010/main" val="31607630"/>
       </p:ext>
     </p:extLst>
   </p:cSld>
@@ -6330,7 +6919,7 @@
           <p:cNvPr id="2" name="Title 1">
             <a:extLst>
               <a:ext uri="{FF2B5EF4-FFF2-40B4-BE49-F238E27FC236}">
-                <a16:creationId xmlns:a16="http://schemas.microsoft.com/office/drawing/2014/main" id="{1DCF4088-1049-B043-9ABD-F66EDD5AF9EF}"/>
+                <a16:creationId xmlns:a16="http://schemas.microsoft.com/office/drawing/2014/main" id="{AAAE29E4-9756-2D48-A671-756B67B48934}"/>
               </a:ext>
             </a:extLst>
           </p:cNvPr>
@@ -6341,98 +6930,81 @@
             <p:ph type="title"/>
           </p:nvPr>
         </p:nvSpPr>
-        <p:spPr>
-          <a:xfrm>
-            <a:off x="677334" y="609600"/>
-            <a:ext cx="8596668" cy="672662"/>
-          </a:xfrm>
-        </p:spPr>
+        <p:spPr/>
         <p:txBody>
           <a:bodyPr/>
           <a:lstStyle/>
           <a:p>
             <a:r>
-              <a:rPr lang="en-IN" dirty="0"/>
-              <a:t>:hover Selector</a:t>
-            </a:r>
-            <a:endParaRPr lang="en-US" dirty="0"/>
-          </a:p>
-        </p:txBody>
-      </p:sp>
-      <p:sp>
-        <p:nvSpPr>
-          <p:cNvPr id="3" name="Content Placeholder 2">
+              <a:rPr lang="en-US" dirty="0"/>
+              <a:t> </a:t>
+            </a:r>
+          </a:p>
+        </p:txBody>
+      </p:sp>
+      <p:pic>
+        <p:nvPicPr>
+          <p:cNvPr id="5" name="Content Placeholder 4">
             <a:extLst>
               <a:ext uri="{FF2B5EF4-FFF2-40B4-BE49-F238E27FC236}">
-                <a16:creationId xmlns:a16="http://schemas.microsoft.com/office/drawing/2014/main" id="{A717F625-0F0C-B343-9123-C64BBCE6EE53}"/>
+                <a16:creationId xmlns:a16="http://schemas.microsoft.com/office/drawing/2014/main" id="{032A16C7-4B13-8D4D-8F58-B627189065BB}"/>
               </a:ext>
             </a:extLst>
           </p:cNvPr>
-          <p:cNvSpPr>
-            <a:spLocks noGrp="1"/>
-          </p:cNvSpPr>
+          <p:cNvPicPr>
+            <a:picLocks noGrp="1" noChangeAspect="1"/>
+          </p:cNvPicPr>
           <p:nvPr>
             <p:ph idx="1"/>
           </p:nvPr>
-        </p:nvSpPr>
+        </p:nvPicPr>
+        <p:blipFill>
+          <a:blip r:embed="rId2"/>
+          <a:stretch>
+            <a:fillRect/>
+          </a:stretch>
+        </p:blipFill>
         <p:spPr>
           <a:xfrm>
-            <a:off x="677334" y="1282261"/>
-            <a:ext cx="8596668" cy="4759101"/>
+            <a:off x="4726223" y="1174750"/>
+            <a:ext cx="4778385" cy="3794914"/>
           </a:xfrm>
         </p:spPr>
-        <p:txBody>
-          <a:bodyPr/>
-          <a:lstStyle/>
-          <a:p>
-            <a:r>
-              <a:rPr lang="en-IN" dirty="0"/>
-              <a:t>The :hover selector is used to select elements when you mouse over them.</a:t>
-            </a:r>
-          </a:p>
-          <a:p>
-            <a:r>
-              <a:rPr lang="en-IN" dirty="0"/>
-              <a:t>.</a:t>
-            </a:r>
-            <a:r>
-              <a:rPr lang="en-IN" dirty="0" err="1"/>
-              <a:t>div:hover</a:t>
-            </a:r>
-            <a:r>
-              <a:rPr lang="en-IN" dirty="0"/>
-              <a:t> {</a:t>
-            </a:r>
-            <a:br>
-              <a:rPr lang="en-IN" dirty="0"/>
-            </a:br>
-            <a:r>
-              <a:rPr lang="en-IN" dirty="0"/>
-              <a:t>  background-</a:t>
-            </a:r>
-            <a:r>
-              <a:rPr lang="en-IN" dirty="0" err="1"/>
-              <a:t>color</a:t>
-            </a:r>
-            <a:r>
-              <a:rPr lang="en-IN" dirty="0"/>
-              <a:t>: yellow;</a:t>
-            </a:r>
-            <a:br>
-              <a:rPr lang="en-IN" dirty="0"/>
-            </a:br>
-            <a:r>
-              <a:rPr lang="en-IN" dirty="0"/>
-              <a:t>}</a:t>
-            </a:r>
-            <a:endParaRPr lang="en-US" dirty="0"/>
-          </a:p>
-        </p:txBody>
-      </p:sp>
+      </p:pic>
+      <p:pic>
+        <p:nvPicPr>
+          <p:cNvPr id="9" name="Picture 8">
+            <a:extLst>
+              <a:ext uri="{FF2B5EF4-FFF2-40B4-BE49-F238E27FC236}">
+                <a16:creationId xmlns:a16="http://schemas.microsoft.com/office/drawing/2014/main" id="{CF7128FC-45A4-8143-A2A0-5183D4737FC0}"/>
+              </a:ext>
+            </a:extLst>
+          </p:cNvPr>
+          <p:cNvPicPr>
+            <a:picLocks noChangeAspect="1"/>
+          </p:cNvPicPr>
+          <p:nvPr/>
+        </p:nvPicPr>
+        <p:blipFill>
+          <a:blip r:embed="rId3"/>
+          <a:stretch>
+            <a:fillRect/>
+          </a:stretch>
+        </p:blipFill>
+        <p:spPr>
+          <a:xfrm>
+            <a:off x="991942" y="1573995"/>
+            <a:ext cx="3390900" cy="2679700"/>
+          </a:xfrm>
+          <a:prstGeom prst="rect">
+            <a:avLst/>
+          </a:prstGeom>
+        </p:spPr>
+      </p:pic>
     </p:spTree>
     <p:extLst>
       <p:ext uri="{BB962C8B-B14F-4D97-AF65-F5344CB8AC3E}">
-        <p14:creationId xmlns:p14="http://schemas.microsoft.com/office/powerpoint/2010/main" val="2464243213"/>
+        <p14:creationId xmlns:p14="http://schemas.microsoft.com/office/powerpoint/2010/main" val="2426562236"/>
       </p:ext>
     </p:extLst>
   </p:cSld>
@@ -6464,7 +7036,7 @@
           <p:cNvPr id="2" name="Title 1">
             <a:extLst>
               <a:ext uri="{FF2B5EF4-FFF2-40B4-BE49-F238E27FC236}">
-                <a16:creationId xmlns:a16="http://schemas.microsoft.com/office/drawing/2014/main" id="{AA9F38ED-A89C-F54C-896D-5C98C53BC9D0}"/>
+                <a16:creationId xmlns:a16="http://schemas.microsoft.com/office/drawing/2014/main" id="{8D001AAD-7BA3-8848-8E6F-C640CE7CE23E}"/>
               </a:ext>
             </a:extLst>
           </p:cNvPr>
@@ -6481,9 +7053,10 @@
           <a:lstStyle/>
           <a:p>
             <a:r>
-              <a:rPr lang="en-US" dirty="0"/>
-              <a:t>Transition Duration</a:t>
-            </a:r>
+              <a:rPr lang="en-IN" dirty="0"/>
+              <a:t>Box Shadow</a:t>
+            </a:r>
+            <a:endParaRPr lang="en-US" dirty="0"/>
           </a:p>
         </p:txBody>
       </p:sp>
@@ -6492,7 +7065,7 @@
           <p:cNvPr id="3" name="Content Placeholder 2">
             <a:extLst>
               <a:ext uri="{FF2B5EF4-FFF2-40B4-BE49-F238E27FC236}">
-                <a16:creationId xmlns:a16="http://schemas.microsoft.com/office/drawing/2014/main" id="{8C94CF96-74D6-B24E-96B2-5DC28912ACE3}"/>
+                <a16:creationId xmlns:a16="http://schemas.microsoft.com/office/drawing/2014/main" id="{FE0615EA-8E42-114D-9E78-7CF48556CD4B}"/>
               </a:ext>
             </a:extLst>
           </p:cNvPr>
@@ -6505,8 +7078,8 @@
         </p:nvSpPr>
         <p:spPr>
           <a:xfrm>
-            <a:off x="677334" y="1366345"/>
-            <a:ext cx="8596668" cy="4675017"/>
+            <a:off x="677334" y="1450429"/>
+            <a:ext cx="8596668" cy="4590934"/>
           </a:xfrm>
         </p:spPr>
         <p:txBody>
@@ -6514,58 +7087,78 @@
           <a:lstStyle/>
           <a:p>
             <a:r>
-              <a:rPr lang="en-IN" dirty="0"/>
-              <a:t>The transition-duration property specifies how many seconds (s) or milliseconds (</a:t>
+              <a:rPr lang="en-US" dirty="0"/>
+              <a:t>Syntax:</a:t>
+            </a:r>
+          </a:p>
+          <a:p>
+            <a:pPr lvl="1"/>
+            <a:r>
+              <a:rPr lang="en-IN" dirty="0"/>
+              <a:t>.div {</a:t>
+            </a:r>
+            <a:br>
+              <a:rPr lang="en-IN" dirty="0"/>
+            </a:br>
+            <a:r>
+              <a:rPr lang="en-IN" dirty="0"/>
+              <a:t>  box-shadow: 10px 10px 8px #888888;</a:t>
+            </a:r>
+            <a:br>
+              <a:rPr lang="en-IN" dirty="0"/>
+            </a:br>
+            <a:r>
+              <a:rPr lang="en-IN" dirty="0"/>
+              <a:t>}</a:t>
+            </a:r>
+            <a:endParaRPr lang="en-US" dirty="0"/>
+          </a:p>
+          <a:p>
+            <a:r>
+              <a:rPr lang="en-IN" dirty="0"/>
+              <a:t>The first value is the horizontal offset </a:t>
+            </a:r>
+          </a:p>
+          <a:p>
+            <a:r>
+              <a:rPr lang="en-IN" dirty="0"/>
+              <a:t>The second value is the vertical offset. </a:t>
+            </a:r>
+          </a:p>
+          <a:p>
+            <a:r>
+              <a:rPr lang="en-IN" dirty="0"/>
+              <a:t>The third value adds a blur effect to the shadow.</a:t>
+            </a:r>
+          </a:p>
+          <a:p>
+            <a:r>
+              <a:rPr lang="en-IN" dirty="0"/>
+              <a:t>The fourth value is shadow </a:t>
             </a:r>
             <a:r>
               <a:rPr lang="en-IN" dirty="0" err="1"/>
-              <a:t>ms</a:t>
-            </a:r>
-            <a:r>
-              <a:rPr lang="en-IN" dirty="0"/>
-              <a:t>) a transition effect takes to complete.</a:t>
-            </a:r>
-          </a:p>
-          <a:p>
+              <a:t>color</a:t>
+            </a:r>
+            <a:r>
+              <a:rPr lang="en-IN" dirty="0"/>
+              <a:t> (if not provided will be inherited from the text </a:t>
+            </a:r>
             <a:r>
               <a:rPr lang="en-IN" dirty="0" err="1"/>
-              <a:t>Synatx</a:t>
-            </a:r>
-            <a:r>
-              <a:rPr lang="en-IN" dirty="0"/>
-              <a:t>:</a:t>
-            </a:r>
-          </a:p>
-          <a:p>
-            <a:pPr lvl="1"/>
-            <a:r>
-              <a:rPr lang="en-IN" dirty="0"/>
-              <a:t>.div {</a:t>
-            </a:r>
-            <a:br>
-              <a:rPr lang="en-IN" dirty="0"/>
-            </a:br>
-            <a:r>
-              <a:rPr lang="en-IN" dirty="0"/>
-              <a:t>  transition-duration: 5s;</a:t>
-            </a:r>
-            <a:br>
-              <a:rPr lang="en-IN" dirty="0"/>
-            </a:br>
-            <a:r>
-              <a:rPr lang="en-IN" dirty="0"/>
-              <a:t>}</a:t>
-            </a:r>
-          </a:p>
-          <a:p>
-            <a:endParaRPr lang="en-US" dirty="0"/>
+              <a:t>color</a:t>
+            </a:r>
+            <a:r>
+              <a:rPr lang="en-IN" dirty="0"/>
+              <a:t>.)</a:t>
+            </a:r>
           </a:p>
         </p:txBody>
       </p:sp>
     </p:spTree>
     <p:extLst>
       <p:ext uri="{BB962C8B-B14F-4D97-AF65-F5344CB8AC3E}">
-        <p14:creationId xmlns:p14="http://schemas.microsoft.com/office/powerpoint/2010/main" val="2266862987"/>
+        <p14:creationId xmlns:p14="http://schemas.microsoft.com/office/powerpoint/2010/main" val="3380580480"/>
       </p:ext>
     </p:extLst>
   </p:cSld>
@@ -6597,7 +7190,7 @@
           <p:cNvPr id="2" name="Title 1">
             <a:extLst>
               <a:ext uri="{FF2B5EF4-FFF2-40B4-BE49-F238E27FC236}">
-                <a16:creationId xmlns:a16="http://schemas.microsoft.com/office/drawing/2014/main" id="{5CBB601A-86BC-F84E-A100-6E7B0250B440}"/>
+                <a16:creationId xmlns:a16="http://schemas.microsoft.com/office/drawing/2014/main" id="{E7B73D43-C5E6-B749-B237-D94FA9E7F0C3}"/>
               </a:ext>
             </a:extLst>
           </p:cNvPr>
@@ -6608,14 +7201,19 @@
             <p:ph type="title"/>
           </p:nvPr>
         </p:nvSpPr>
-        <p:spPr/>
+        <p:spPr>
+          <a:xfrm>
+            <a:off x="677334" y="609600"/>
+            <a:ext cx="8596668" cy="693683"/>
+          </a:xfrm>
+        </p:spPr>
         <p:txBody>
           <a:bodyPr/>
           <a:lstStyle/>
           <a:p>
             <a:r>
               <a:rPr lang="en-US" dirty="0"/>
-              <a:t>@media Rule</a:t>
+              <a:t>Border</a:t>
             </a:r>
           </a:p>
         </p:txBody>
@@ -6625,7 +7223,7 @@
           <p:cNvPr id="3" name="Content Placeholder 2">
             <a:extLst>
               <a:ext uri="{FF2B5EF4-FFF2-40B4-BE49-F238E27FC236}">
-                <a16:creationId xmlns:a16="http://schemas.microsoft.com/office/drawing/2014/main" id="{ABFE4710-8EAE-F14C-A27D-855104B2AF64}"/>
+                <a16:creationId xmlns:a16="http://schemas.microsoft.com/office/drawing/2014/main" id="{A19999F4-6F63-E643-8B81-306BC879EC72}"/>
               </a:ext>
             </a:extLst>
           </p:cNvPr>
@@ -6638,8 +7236,8 @@
         </p:nvSpPr>
         <p:spPr>
           <a:xfrm>
-            <a:off x="677334" y="1313793"/>
-            <a:ext cx="8596668" cy="4727569"/>
+            <a:off x="677334" y="1376855"/>
+            <a:ext cx="8596668" cy="4664507"/>
           </a:xfrm>
         </p:spPr>
         <p:txBody>
@@ -6647,47 +7245,86 @@
           <a:lstStyle/>
           <a:p>
             <a:r>
-              <a:rPr lang="en-IN" dirty="0"/>
-              <a:t>The @media rule is used in media queries to apply different styles for different media types/devices.</a:t>
-            </a:r>
-          </a:p>
-          <a:p>
-            <a:r>
-              <a:rPr lang="en-IN" dirty="0"/>
-              <a:t>Media queries can be used to check many things, such as:</a:t>
-            </a:r>
-          </a:p>
-          <a:p>
-            <a:r>
-              <a:rPr lang="en-IN" dirty="0"/>
-              <a:t>width and height of the viewport</a:t>
-            </a:r>
-          </a:p>
-          <a:p>
-            <a:r>
-              <a:rPr lang="en-IN" dirty="0"/>
-              <a:t>width and height of the device</a:t>
-            </a:r>
-          </a:p>
-          <a:p>
-            <a:r>
-              <a:rPr lang="en-IN" dirty="0"/>
-              <a:t>orientation (is the tablet/phone in landscape or portrait mode?)</a:t>
-            </a:r>
-          </a:p>
-          <a:p>
-            <a:r>
-              <a:rPr lang="en-IN" dirty="0"/>
-              <a:t>resolution</a:t>
-            </a:r>
-          </a:p>
-          <a:p>
-            <a:r>
-              <a:rPr lang="en-IN" dirty="0"/>
-              <a:t>Using media queries are a popular technique for delivering a tailored style sheet (responsive web design) to desktops, laptops, tablets, and mobile phones.</a:t>
-            </a:r>
-          </a:p>
-          <a:p>
+              <a:rPr lang="en-US" dirty="0"/>
+              <a:t>Syntax:</a:t>
+            </a:r>
+          </a:p>
+          <a:p>
+            <a:pPr lvl="1"/>
+            <a:r>
+              <a:rPr lang="en-IN" dirty="0"/>
+              <a:t>.div {</a:t>
+            </a:r>
+            <a:br>
+              <a:rPr lang="en-IN" dirty="0"/>
+            </a:br>
+            <a:r>
+              <a:rPr lang="en-IN" dirty="0"/>
+              <a:t>  border: 5px solid red;</a:t>
+            </a:r>
+            <a:br>
+              <a:rPr lang="en-IN" dirty="0"/>
+            </a:br>
+            <a:r>
+              <a:rPr lang="en-IN" dirty="0"/>
+              <a:t>}</a:t>
+            </a:r>
+          </a:p>
+          <a:p>
+            <a:r>
+              <a:rPr lang="en-IN" dirty="0"/>
+              <a:t>The first value is border width</a:t>
+            </a:r>
+          </a:p>
+          <a:p>
+            <a:r>
+              <a:rPr lang="en-IN" dirty="0"/>
+              <a:t>Second value is border style</a:t>
+            </a:r>
+          </a:p>
+          <a:p>
+            <a:pPr lvl="1"/>
+            <a:r>
+              <a:rPr lang="en-IN" dirty="0"/>
+              <a:t>Border styles can be :</a:t>
+            </a:r>
+          </a:p>
+          <a:p>
+            <a:pPr lvl="2"/>
+            <a:r>
+              <a:rPr lang="en-IN" dirty="0"/>
+              <a:t>Dotted</a:t>
+            </a:r>
+          </a:p>
+          <a:p>
+            <a:pPr lvl="2"/>
+            <a:r>
+              <a:rPr lang="en-IN" dirty="0"/>
+              <a:t>Dashed</a:t>
+            </a:r>
+          </a:p>
+          <a:p>
+            <a:pPr lvl="2"/>
+            <a:r>
+              <a:rPr lang="en-IN" dirty="0"/>
+              <a:t>Groove</a:t>
+            </a:r>
+          </a:p>
+          <a:p>
+            <a:pPr lvl="2"/>
+            <a:r>
+              <a:rPr lang="en-IN" dirty="0"/>
+              <a:t>Ridge(etc)</a:t>
+            </a:r>
+          </a:p>
+          <a:p>
+            <a:r>
+              <a:rPr lang="en-IN" dirty="0"/>
+              <a:t>Third value is border colour</a:t>
+            </a:r>
+            <a:br>
+              <a:rPr lang="en-IN" dirty="0"/>
+            </a:br>
             <a:endParaRPr lang="en-US" dirty="0"/>
           </a:p>
         </p:txBody>
@@ -6695,7 +7332,7 @@
     </p:spTree>
     <p:extLst>
       <p:ext uri="{BB962C8B-B14F-4D97-AF65-F5344CB8AC3E}">
-        <p14:creationId xmlns:p14="http://schemas.microsoft.com/office/powerpoint/2010/main" val="3987125079"/>
+        <p14:creationId xmlns:p14="http://schemas.microsoft.com/office/powerpoint/2010/main" val="1837818047"/>
       </p:ext>
     </p:extLst>
   </p:cSld>
@@ -6727,7 +7364,7 @@
           <p:cNvPr id="2" name="Title 1">
             <a:extLst>
               <a:ext uri="{FF2B5EF4-FFF2-40B4-BE49-F238E27FC236}">
-                <a16:creationId xmlns:a16="http://schemas.microsoft.com/office/drawing/2014/main" id="{D9F812F6-CB74-6D43-919E-63456A103644}"/>
+                <a16:creationId xmlns:a16="http://schemas.microsoft.com/office/drawing/2014/main" id="{1DCF4088-1049-B043-9ABD-F66EDD5AF9EF}"/>
               </a:ext>
             </a:extLst>
           </p:cNvPr>
@@ -6741,7 +7378,7 @@
         <p:spPr>
           <a:xfrm>
             <a:off x="677334" y="609600"/>
-            <a:ext cx="8596668" cy="725214"/>
+            <a:ext cx="8596668" cy="672662"/>
           </a:xfrm>
         </p:spPr>
         <p:txBody>
@@ -6749,9 +7386,10 @@
           <a:lstStyle/>
           <a:p>
             <a:r>
-              <a:rPr lang="en-US" dirty="0"/>
-              <a:t>Cont..</a:t>
-            </a:r>
+              <a:rPr lang="en-IN" dirty="0"/>
+              <a:t>:hover Selector</a:t>
+            </a:r>
+            <a:endParaRPr lang="en-US" dirty="0"/>
           </a:p>
         </p:txBody>
       </p:sp>
@@ -6760,7 +7398,7 @@
           <p:cNvPr id="3" name="Content Placeholder 2">
             <a:extLst>
               <a:ext uri="{FF2B5EF4-FFF2-40B4-BE49-F238E27FC236}">
-                <a16:creationId xmlns:a16="http://schemas.microsoft.com/office/drawing/2014/main" id="{19511C99-A614-E54F-8485-939C285D1194}"/>
+                <a16:creationId xmlns:a16="http://schemas.microsoft.com/office/drawing/2014/main" id="{A717F625-0F0C-B343-9123-C64BBCE6EE53}"/>
               </a:ext>
             </a:extLst>
           </p:cNvPr>
@@ -6773,8 +7411,8 @@
         </p:nvSpPr>
         <p:spPr>
           <a:xfrm>
-            <a:off x="677334" y="1587063"/>
-            <a:ext cx="8596668" cy="4454300"/>
+            <a:off x="677334" y="1282261"/>
+            <a:ext cx="8596668" cy="4759101"/>
           </a:xfrm>
         </p:spPr>
         <p:txBody>
@@ -6782,29 +7420,36 @@
           <a:lstStyle/>
           <a:p>
             <a:r>
-              <a:rPr lang="en-US" dirty="0"/>
-              <a:t>Syntax :</a:t>
+              <a:rPr lang="en-IN" dirty="0"/>
+              <a:t>The :hover selector is used to select elements when you mouse over them.</a:t>
+            </a:r>
+          </a:p>
+          <a:p>
+            <a:r>
+              <a:rPr lang="en-IN" dirty="0"/>
+              <a:t>Example : </a:t>
             </a:r>
           </a:p>
           <a:p>
             <a:pPr lvl="1"/>
             <a:r>
               <a:rPr lang="en-IN" dirty="0"/>
-              <a:t>@media only screen and (max-width: 600px) {</a:t>
+              <a:t>.</a:t>
+            </a:r>
+            <a:r>
+              <a:rPr lang="en-IN" dirty="0" err="1"/>
+              <a:t>div:hover</a:t>
+            </a:r>
+            <a:r>
+              <a:rPr lang="en-IN" dirty="0"/>
+              <a:t> {</a:t>
             </a:r>
             <a:br>
               <a:rPr lang="en-IN" dirty="0"/>
             </a:br>
             <a:r>
               <a:rPr lang="en-IN" dirty="0"/>
-              <a:t>  body {</a:t>
-            </a:r>
-            <a:br>
-              <a:rPr lang="en-IN" dirty="0"/>
-            </a:br>
-            <a:r>
-              <a:rPr lang="en-IN" dirty="0"/>
-              <a:t>    background-</a:t>
+              <a:t>  background-</a:t>
             </a:r>
             <a:r>
               <a:rPr lang="en-IN" dirty="0" err="1"/>
@@ -6812,22 +7457,7 @@
             </a:r>
             <a:r>
               <a:rPr lang="en-IN" dirty="0"/>
-              <a:t>: </a:t>
-            </a:r>
-            <a:r>
-              <a:rPr lang="en-IN" dirty="0" err="1"/>
-              <a:t>lightblue</a:t>
-            </a:r>
-            <a:r>
-              <a:rPr lang="en-IN" dirty="0"/>
-              <a:t>;</a:t>
-            </a:r>
-            <a:br>
-              <a:rPr lang="en-IN" dirty="0"/>
-            </a:br>
-            <a:r>
-              <a:rPr lang="en-IN" dirty="0"/>
-              <a:t>  }</a:t>
+              <a:t>: yellow;</a:t>
             </a:r>
             <a:br>
               <a:rPr lang="en-IN" dirty="0"/>
@@ -6843,7 +7473,7 @@
     </p:spTree>
     <p:extLst>
       <p:ext uri="{BB962C8B-B14F-4D97-AF65-F5344CB8AC3E}">
-        <p14:creationId xmlns:p14="http://schemas.microsoft.com/office/powerpoint/2010/main" val="2133443617"/>
+        <p14:creationId xmlns:p14="http://schemas.microsoft.com/office/powerpoint/2010/main" val="2464243213"/>
       </p:ext>
     </p:extLst>
   </p:cSld>
@@ -6875,7 +7505,7 @@
           <p:cNvPr id="2" name="Title 1">
             <a:extLst>
               <a:ext uri="{FF2B5EF4-FFF2-40B4-BE49-F238E27FC236}">
-                <a16:creationId xmlns:a16="http://schemas.microsoft.com/office/drawing/2014/main" id="{5DA6095D-BBA6-DE4B-BEE3-D38E9D06BE3C}"/>
+                <a16:creationId xmlns:a16="http://schemas.microsoft.com/office/drawing/2014/main" id="{AA9F38ED-A89C-F54C-896D-5C98C53BC9D0}"/>
               </a:ext>
             </a:extLst>
           </p:cNvPr>
@@ -6892,8 +7522,8 @@
           <a:lstStyle/>
           <a:p>
             <a:r>
-              <a:rPr lang="en-IN" dirty="0"/>
-              <a:t>::after Selector</a:t>
+              <a:rPr lang="en-US" dirty="0"/>
+              <a:t>Transition Duration</a:t>
             </a:r>
           </a:p>
         </p:txBody>
@@ -6903,7 +7533,7 @@
           <p:cNvPr id="3" name="Content Placeholder 2">
             <a:extLst>
               <a:ext uri="{FF2B5EF4-FFF2-40B4-BE49-F238E27FC236}">
-                <a16:creationId xmlns:a16="http://schemas.microsoft.com/office/drawing/2014/main" id="{ED23C162-8782-384F-9F2D-11E9CE076141}"/>
+                <a16:creationId xmlns:a16="http://schemas.microsoft.com/office/drawing/2014/main" id="{8C94CF96-74D6-B24E-96B2-5DC28912ACE3}"/>
               </a:ext>
             </a:extLst>
           </p:cNvPr>
@@ -6916,8 +7546,8 @@
         </p:nvSpPr>
         <p:spPr>
           <a:xfrm>
-            <a:off x="677334" y="1355835"/>
-            <a:ext cx="8596668" cy="4685528"/>
+            <a:off x="677334" y="1366345"/>
+            <a:ext cx="8596668" cy="4675017"/>
           </a:xfrm>
         </p:spPr>
         <p:txBody>
@@ -6925,67 +7555,336 @@
           <a:lstStyle/>
           <a:p>
             <a:r>
-              <a:rPr lang="en-US" dirty="0"/>
-              <a:t>To remove float property for the underlying elements :</a:t>
+              <a:rPr lang="en-IN" dirty="0"/>
+              <a:t>The transition-duration property specifies how many seconds (s) or milliseconds (</a:t>
+            </a:r>
+            <a:r>
+              <a:rPr lang="en-IN" dirty="0" err="1"/>
+              <a:t>ms</a:t>
+            </a:r>
+            <a:r>
+              <a:rPr lang="en-IN" dirty="0"/>
+              <a:t>) a transition effect takes to complete.</a:t>
+            </a:r>
+          </a:p>
+          <a:p>
+            <a:r>
+              <a:rPr lang="en-IN" dirty="0" err="1"/>
+              <a:t>Synatx</a:t>
+            </a:r>
+            <a:r>
+              <a:rPr lang="en-IN" dirty="0"/>
+              <a:t>:</a:t>
             </a:r>
           </a:p>
           <a:p>
             <a:pPr lvl="1"/>
             <a:r>
-              <a:rPr lang="en-US" dirty="0"/>
-              <a:t>.</a:t>
-            </a:r>
-            <a:r>
-              <a:rPr lang="en-US" dirty="0" err="1"/>
-              <a:t>row:after</a:t>
-            </a:r>
-            <a:r>
-              <a:rPr lang="en-US" dirty="0"/>
-              <a:t> {</a:t>
-            </a:r>
-          </a:p>
-          <a:p>
-            <a:pPr marL="457200" lvl="1" indent="0">
-              <a:buNone/>
-            </a:pPr>
-            <a:r>
-              <a:rPr lang="en-US" dirty="0"/>
-              <a:t>	content: "";</a:t>
-            </a:r>
-          </a:p>
-          <a:p>
-            <a:pPr marL="457200" lvl="1" indent="0">
-              <a:buNone/>
-            </a:pPr>
-            <a:r>
-              <a:rPr lang="en-US" dirty="0"/>
-              <a:t>	display: table;</a:t>
-            </a:r>
-          </a:p>
-          <a:p>
-            <a:pPr marL="457200" lvl="1" indent="0">
-              <a:buNone/>
-            </a:pPr>
-            <a:r>
-              <a:rPr lang="en-US" dirty="0"/>
-              <a:t>	clear: both;</a:t>
-            </a:r>
-          </a:p>
-          <a:p>
-            <a:pPr marL="457200" lvl="1" indent="0">
-              <a:buNone/>
-            </a:pPr>
-            <a:r>
-              <a:rPr lang="en-US" dirty="0"/>
-              <a:t>    }</a:t>
-            </a:r>
+              <a:rPr lang="en-IN" dirty="0"/>
+              <a:t>.div {</a:t>
+            </a:r>
+            <a:br>
+              <a:rPr lang="en-IN" dirty="0"/>
+            </a:br>
+            <a:r>
+              <a:rPr lang="en-IN" dirty="0"/>
+              <a:t>  transition-duration: 5s;</a:t>
+            </a:r>
+            <a:br>
+              <a:rPr lang="en-IN" dirty="0"/>
+            </a:br>
+            <a:r>
+              <a:rPr lang="en-IN" dirty="0"/>
+              <a:t>}</a:t>
+            </a:r>
+          </a:p>
+          <a:p>
+            <a:endParaRPr lang="en-US" dirty="0"/>
           </a:p>
         </p:txBody>
       </p:sp>
     </p:spTree>
     <p:extLst>
       <p:ext uri="{BB962C8B-B14F-4D97-AF65-F5344CB8AC3E}">
-        <p14:creationId xmlns:p14="http://schemas.microsoft.com/office/powerpoint/2010/main" val="3772267689"/>
+        <p14:creationId xmlns:p14="http://schemas.microsoft.com/office/powerpoint/2010/main" val="2266862987"/>
+      </p:ext>
+    </p:extLst>
+  </p:cSld>
+  <p:clrMapOvr>
+    <a:masterClrMapping/>
+  </p:clrMapOvr>
+</p:sld>
+</file>
+
+<file path=ppt/slides/slide18.xml><?xml version="1.0" encoding="utf-8"?>
+<p:sld xmlns:a="http://schemas.openxmlformats.org/drawingml/2006/main" xmlns:r="http://schemas.openxmlformats.org/officeDocument/2006/relationships" xmlns:p="http://schemas.openxmlformats.org/presentationml/2006/main">
+  <p:cSld>
+    <p:spTree>
+      <p:nvGrpSpPr>
+        <p:cNvPr id="1" name=""/>
+        <p:cNvGrpSpPr/>
+        <p:nvPr/>
+      </p:nvGrpSpPr>
+      <p:grpSpPr>
+        <a:xfrm>
+          <a:off x="0" y="0"/>
+          <a:ext cx="0" cy="0"/>
+          <a:chOff x="0" y="0"/>
+          <a:chExt cx="0" cy="0"/>
+        </a:xfrm>
+      </p:grpSpPr>
+      <p:sp>
+        <p:nvSpPr>
+          <p:cNvPr id="2" name="Title 1">
+            <a:extLst>
+              <a:ext uri="{FF2B5EF4-FFF2-40B4-BE49-F238E27FC236}">
+                <a16:creationId xmlns:a16="http://schemas.microsoft.com/office/drawing/2014/main" id="{5CBB601A-86BC-F84E-A100-6E7B0250B440}"/>
+              </a:ext>
+            </a:extLst>
+          </p:cNvPr>
+          <p:cNvSpPr>
+            <a:spLocks noGrp="1"/>
+          </p:cNvSpPr>
+          <p:nvPr>
+            <p:ph type="title"/>
+          </p:nvPr>
+        </p:nvSpPr>
+        <p:spPr/>
+        <p:txBody>
+          <a:bodyPr/>
+          <a:lstStyle/>
+          <a:p>
+            <a:r>
+              <a:rPr lang="en-US" dirty="0"/>
+              <a:t>@media Rule</a:t>
+            </a:r>
+          </a:p>
+        </p:txBody>
+      </p:sp>
+      <p:sp>
+        <p:nvSpPr>
+          <p:cNvPr id="3" name="Content Placeholder 2">
+            <a:extLst>
+              <a:ext uri="{FF2B5EF4-FFF2-40B4-BE49-F238E27FC236}">
+                <a16:creationId xmlns:a16="http://schemas.microsoft.com/office/drawing/2014/main" id="{ABFE4710-8EAE-F14C-A27D-855104B2AF64}"/>
+              </a:ext>
+            </a:extLst>
+          </p:cNvPr>
+          <p:cNvSpPr>
+            <a:spLocks noGrp="1"/>
+          </p:cNvSpPr>
+          <p:nvPr>
+            <p:ph idx="1"/>
+          </p:nvPr>
+        </p:nvSpPr>
+        <p:spPr>
+          <a:xfrm>
+            <a:off x="677334" y="1313793"/>
+            <a:ext cx="8596668" cy="4727569"/>
+          </a:xfrm>
+        </p:spPr>
+        <p:txBody>
+          <a:bodyPr/>
+          <a:lstStyle/>
+          <a:p>
+            <a:r>
+              <a:rPr lang="en-IN" dirty="0"/>
+              <a:t>The @media rule is used in media queries to apply different styles for different media types/devices.</a:t>
+            </a:r>
+          </a:p>
+          <a:p>
+            <a:r>
+              <a:rPr lang="en-IN" dirty="0"/>
+              <a:t>Media queries can be used to check many things, such as:</a:t>
+            </a:r>
+          </a:p>
+          <a:p>
+            <a:r>
+              <a:rPr lang="en-IN" dirty="0"/>
+              <a:t>width and height of the viewport</a:t>
+            </a:r>
+          </a:p>
+          <a:p>
+            <a:r>
+              <a:rPr lang="en-IN" dirty="0"/>
+              <a:t>width and height of the device</a:t>
+            </a:r>
+          </a:p>
+          <a:p>
+            <a:r>
+              <a:rPr lang="en-IN" dirty="0"/>
+              <a:t>orientation (is the tablet/phone in landscape or portrait mode?)</a:t>
+            </a:r>
+          </a:p>
+          <a:p>
+            <a:r>
+              <a:rPr lang="en-IN" dirty="0"/>
+              <a:t>resolution</a:t>
+            </a:r>
+          </a:p>
+          <a:p>
+            <a:r>
+              <a:rPr lang="en-IN" dirty="0"/>
+              <a:t>Using media queries are a popular technique for delivering a tailored style sheet (responsive web design) to desktops, laptops, tablets, and mobile phones.</a:t>
+            </a:r>
+          </a:p>
+          <a:p>
+            <a:endParaRPr lang="en-US" dirty="0"/>
+          </a:p>
+        </p:txBody>
+      </p:sp>
+    </p:spTree>
+    <p:extLst>
+      <p:ext uri="{BB962C8B-B14F-4D97-AF65-F5344CB8AC3E}">
+        <p14:creationId xmlns:p14="http://schemas.microsoft.com/office/powerpoint/2010/main" val="3987125079"/>
+      </p:ext>
+    </p:extLst>
+  </p:cSld>
+  <p:clrMapOvr>
+    <a:masterClrMapping/>
+  </p:clrMapOvr>
+</p:sld>
+</file>
+
+<file path=ppt/slides/slide19.xml><?xml version="1.0" encoding="utf-8"?>
+<p:sld xmlns:a="http://schemas.openxmlformats.org/drawingml/2006/main" xmlns:r="http://schemas.openxmlformats.org/officeDocument/2006/relationships" xmlns:p="http://schemas.openxmlformats.org/presentationml/2006/main">
+  <p:cSld>
+    <p:spTree>
+      <p:nvGrpSpPr>
+        <p:cNvPr id="1" name=""/>
+        <p:cNvGrpSpPr/>
+        <p:nvPr/>
+      </p:nvGrpSpPr>
+      <p:grpSpPr>
+        <a:xfrm>
+          <a:off x="0" y="0"/>
+          <a:ext cx="0" cy="0"/>
+          <a:chOff x="0" y="0"/>
+          <a:chExt cx="0" cy="0"/>
+        </a:xfrm>
+      </p:grpSpPr>
+      <p:sp>
+        <p:nvSpPr>
+          <p:cNvPr id="2" name="Title 1">
+            <a:extLst>
+              <a:ext uri="{FF2B5EF4-FFF2-40B4-BE49-F238E27FC236}">
+                <a16:creationId xmlns:a16="http://schemas.microsoft.com/office/drawing/2014/main" id="{D9F812F6-CB74-6D43-919E-63456A103644}"/>
+              </a:ext>
+            </a:extLst>
+          </p:cNvPr>
+          <p:cNvSpPr>
+            <a:spLocks noGrp="1"/>
+          </p:cNvSpPr>
+          <p:nvPr>
+            <p:ph type="title"/>
+          </p:nvPr>
+        </p:nvSpPr>
+        <p:spPr>
+          <a:xfrm>
+            <a:off x="677334" y="609600"/>
+            <a:ext cx="8596668" cy="725214"/>
+          </a:xfrm>
+        </p:spPr>
+        <p:txBody>
+          <a:bodyPr/>
+          <a:lstStyle/>
+          <a:p>
+            <a:r>
+              <a:rPr lang="en-US" dirty="0"/>
+              <a:t>Cont..</a:t>
+            </a:r>
+          </a:p>
+        </p:txBody>
+      </p:sp>
+      <p:sp>
+        <p:nvSpPr>
+          <p:cNvPr id="3" name="Content Placeholder 2">
+            <a:extLst>
+              <a:ext uri="{FF2B5EF4-FFF2-40B4-BE49-F238E27FC236}">
+                <a16:creationId xmlns:a16="http://schemas.microsoft.com/office/drawing/2014/main" id="{19511C99-A614-E54F-8485-939C285D1194}"/>
+              </a:ext>
+            </a:extLst>
+          </p:cNvPr>
+          <p:cNvSpPr>
+            <a:spLocks noGrp="1"/>
+          </p:cNvSpPr>
+          <p:nvPr>
+            <p:ph idx="1"/>
+          </p:nvPr>
+        </p:nvSpPr>
+        <p:spPr>
+          <a:xfrm>
+            <a:off x="677334" y="1587063"/>
+            <a:ext cx="8596668" cy="4454300"/>
+          </a:xfrm>
+        </p:spPr>
+        <p:txBody>
+          <a:bodyPr/>
+          <a:lstStyle/>
+          <a:p>
+            <a:r>
+              <a:rPr lang="en-US" dirty="0"/>
+              <a:t>Syntax :</a:t>
+            </a:r>
+          </a:p>
+          <a:p>
+            <a:pPr lvl="1"/>
+            <a:r>
+              <a:rPr lang="en-IN" dirty="0"/>
+              <a:t>@media only screen and (max-width: 600px) {</a:t>
+            </a:r>
+            <a:br>
+              <a:rPr lang="en-IN" dirty="0"/>
+            </a:br>
+            <a:r>
+              <a:rPr lang="en-IN" dirty="0"/>
+              <a:t>  body {</a:t>
+            </a:r>
+            <a:br>
+              <a:rPr lang="en-IN" dirty="0"/>
+            </a:br>
+            <a:r>
+              <a:rPr lang="en-IN" dirty="0"/>
+              <a:t>    background-</a:t>
+            </a:r>
+            <a:r>
+              <a:rPr lang="en-IN" dirty="0" err="1"/>
+              <a:t>color</a:t>
+            </a:r>
+            <a:r>
+              <a:rPr lang="en-IN" dirty="0"/>
+              <a:t>: </a:t>
+            </a:r>
+            <a:r>
+              <a:rPr lang="en-IN" dirty="0" err="1"/>
+              <a:t>lightblue</a:t>
+            </a:r>
+            <a:r>
+              <a:rPr lang="en-IN" dirty="0"/>
+              <a:t>;</a:t>
+            </a:r>
+            <a:br>
+              <a:rPr lang="en-IN" dirty="0"/>
+            </a:br>
+            <a:r>
+              <a:rPr lang="en-IN" dirty="0"/>
+              <a:t>  }</a:t>
+            </a:r>
+            <a:br>
+              <a:rPr lang="en-IN" dirty="0"/>
+            </a:br>
+            <a:r>
+              <a:rPr lang="en-IN" dirty="0"/>
+              <a:t>}</a:t>
+            </a:r>
+            <a:endParaRPr lang="en-US" dirty="0"/>
+          </a:p>
+        </p:txBody>
+      </p:sp>
+    </p:spTree>
+    <p:extLst>
+      <p:ext uri="{BB962C8B-B14F-4D97-AF65-F5344CB8AC3E}">
+        <p14:creationId xmlns:p14="http://schemas.microsoft.com/office/powerpoint/2010/main" val="2133443617"/>
       </p:ext>
     </p:extLst>
   </p:cSld>
@@ -7170,6 +8069,148 @@
 </p:sld>
 </file>
 
+<file path=ppt/slides/slide20.xml><?xml version="1.0" encoding="utf-8"?>
+<p:sld xmlns:a="http://schemas.openxmlformats.org/drawingml/2006/main" xmlns:r="http://schemas.openxmlformats.org/officeDocument/2006/relationships" xmlns:p="http://schemas.openxmlformats.org/presentationml/2006/main">
+  <p:cSld>
+    <p:spTree>
+      <p:nvGrpSpPr>
+        <p:cNvPr id="1" name=""/>
+        <p:cNvGrpSpPr/>
+        <p:nvPr/>
+      </p:nvGrpSpPr>
+      <p:grpSpPr>
+        <a:xfrm>
+          <a:off x="0" y="0"/>
+          <a:ext cx="0" cy="0"/>
+          <a:chOff x="0" y="0"/>
+          <a:chExt cx="0" cy="0"/>
+        </a:xfrm>
+      </p:grpSpPr>
+      <p:sp>
+        <p:nvSpPr>
+          <p:cNvPr id="2" name="Title 1">
+            <a:extLst>
+              <a:ext uri="{FF2B5EF4-FFF2-40B4-BE49-F238E27FC236}">
+                <a16:creationId xmlns:a16="http://schemas.microsoft.com/office/drawing/2014/main" id="{5DA6095D-BBA6-DE4B-BEE3-D38E9D06BE3C}"/>
+              </a:ext>
+            </a:extLst>
+          </p:cNvPr>
+          <p:cNvSpPr>
+            <a:spLocks noGrp="1"/>
+          </p:cNvSpPr>
+          <p:nvPr>
+            <p:ph type="title"/>
+          </p:nvPr>
+        </p:nvSpPr>
+        <p:spPr/>
+        <p:txBody>
+          <a:bodyPr/>
+          <a:lstStyle/>
+          <a:p>
+            <a:r>
+              <a:rPr lang="en-IN" dirty="0"/>
+              <a:t>::after Selector</a:t>
+            </a:r>
+          </a:p>
+        </p:txBody>
+      </p:sp>
+      <p:sp>
+        <p:nvSpPr>
+          <p:cNvPr id="3" name="Content Placeholder 2">
+            <a:extLst>
+              <a:ext uri="{FF2B5EF4-FFF2-40B4-BE49-F238E27FC236}">
+                <a16:creationId xmlns:a16="http://schemas.microsoft.com/office/drawing/2014/main" id="{ED23C162-8782-384F-9F2D-11E9CE076141}"/>
+              </a:ext>
+            </a:extLst>
+          </p:cNvPr>
+          <p:cNvSpPr>
+            <a:spLocks noGrp="1"/>
+          </p:cNvSpPr>
+          <p:nvPr>
+            <p:ph idx="1"/>
+          </p:nvPr>
+        </p:nvSpPr>
+        <p:spPr>
+          <a:xfrm>
+            <a:off x="677334" y="1355835"/>
+            <a:ext cx="8596668" cy="4685528"/>
+          </a:xfrm>
+        </p:spPr>
+        <p:txBody>
+          <a:bodyPr/>
+          <a:lstStyle/>
+          <a:p>
+            <a:r>
+              <a:rPr lang="en-US" dirty="0"/>
+              <a:t>To remove float property for the underlying elements :</a:t>
+            </a:r>
+          </a:p>
+          <a:p>
+            <a:pPr lvl="1"/>
+            <a:r>
+              <a:rPr lang="en-US" dirty="0"/>
+              <a:t>.</a:t>
+            </a:r>
+            <a:r>
+              <a:rPr lang="en-US" dirty="0" err="1"/>
+              <a:t>row:after</a:t>
+            </a:r>
+            <a:r>
+              <a:rPr lang="en-US" dirty="0"/>
+              <a:t> {</a:t>
+            </a:r>
+          </a:p>
+          <a:p>
+            <a:pPr marL="457200" lvl="1" indent="0">
+              <a:buNone/>
+            </a:pPr>
+            <a:r>
+              <a:rPr lang="en-US" dirty="0"/>
+              <a:t>	content: "";</a:t>
+            </a:r>
+          </a:p>
+          <a:p>
+            <a:pPr marL="457200" lvl="1" indent="0">
+              <a:buNone/>
+            </a:pPr>
+            <a:r>
+              <a:rPr lang="en-US" dirty="0"/>
+              <a:t>	display: table;</a:t>
+            </a:r>
+          </a:p>
+          <a:p>
+            <a:pPr marL="457200" lvl="1" indent="0">
+              <a:buNone/>
+            </a:pPr>
+            <a:r>
+              <a:rPr lang="en-US" dirty="0"/>
+              <a:t>	clear: both;</a:t>
+            </a:r>
+          </a:p>
+          <a:p>
+            <a:pPr marL="457200" lvl="1" indent="0">
+              <a:buNone/>
+            </a:pPr>
+            <a:r>
+              <a:rPr lang="en-US" dirty="0"/>
+              <a:t>    }</a:t>
+            </a:r>
+          </a:p>
+        </p:txBody>
+      </p:sp>
+    </p:spTree>
+    <p:extLst>
+      <p:ext uri="{BB962C8B-B14F-4D97-AF65-F5344CB8AC3E}">
+        <p14:creationId xmlns:p14="http://schemas.microsoft.com/office/powerpoint/2010/main" val="3772267689"/>
+      </p:ext>
+    </p:extLst>
+  </p:cSld>
+  <p:clrMapOvr>
+    <a:masterClrMapping/>
+  </p:clrMapOvr>
+</p:sld>
+</file>
+
 <file path=ppt/slides/slide3.xml><?xml version="1.0" encoding="utf-8"?>
 <p:sld xmlns:a="http://schemas.openxmlformats.org/drawingml/2006/main" xmlns:r="http://schemas.openxmlformats.org/officeDocument/2006/relationships" xmlns:p="http://schemas.openxmlformats.org/presentationml/2006/main">
   <p:cSld>
@@ -7243,7 +8284,9 @@
           </a:xfrm>
         </p:spPr>
         <p:txBody>
-          <a:bodyPr/>
+          <a:bodyPr>
+            <a:normAutofit/>
+          </a:bodyPr>
           <a:lstStyle/>
           <a:p>
             <a:pPr marL="0" indent="0">
@@ -7299,7 +8342,15 @@
             </a:pPr>
             <a:r>
               <a:rPr lang="en-US" dirty="0"/>
-              <a:t>1. Use span instead of div</a:t>
+              <a:t>Inline elements : 	&lt;a&gt; , &lt;button&gt; , &lt;input&gt; , &lt;span&gt; , &lt;</a:t>
+            </a:r>
+            <a:r>
+              <a:rPr lang="en-US" dirty="0" err="1"/>
+              <a:t>img</a:t>
+            </a:r>
+            <a:r>
+              <a:rPr lang="en-US" dirty="0"/>
+              <a:t>&gt; etc.</a:t>
             </a:r>
           </a:p>
           <a:p>
@@ -7308,16 +8359,7 @@
             </a:pPr>
             <a:r>
               <a:rPr lang="en-US" dirty="0"/>
-              <a:t>2. Using display property</a:t>
-            </a:r>
-          </a:p>
-          <a:p>
-            <a:pPr marL="0" indent="0">
-              <a:buNone/>
-            </a:pPr>
-            <a:r>
-              <a:rPr lang="en-US" dirty="0"/>
-              <a:t>	</a:t>
+              <a:t>Block elements : &lt;div&gt; , &lt;h1&gt; , &lt;section&gt; , &lt;ul&gt; , &lt;li&gt; etc.</a:t>
             </a:r>
           </a:p>
           <a:p>
@@ -7413,18 +8455,18 @@
         <p:spPr>
           <a:xfrm>
             <a:off x="677334" y="609600"/>
-            <a:ext cx="8596668" cy="409903"/>
+            <a:ext cx="8596668" cy="977462"/>
           </a:xfrm>
         </p:spPr>
         <p:txBody>
           <a:bodyPr>
-            <a:normAutofit fontScale="90000"/>
+            <a:normAutofit/>
           </a:bodyPr>
           <a:lstStyle/>
           <a:p>
             <a:r>
               <a:rPr lang="en-US" dirty="0"/>
-              <a:t> </a:t>
+              <a:t> Display Properties</a:t>
             </a:r>
           </a:p>
         </p:txBody>
@@ -7447,8 +8489,8 @@
         </p:nvSpPr>
         <p:spPr>
           <a:xfrm>
-            <a:off x="677334" y="777767"/>
-            <a:ext cx="8596668" cy="5263596"/>
+            <a:off x="677334" y="1702675"/>
+            <a:ext cx="8596668" cy="4338687"/>
           </a:xfrm>
         </p:spPr>
         <p:txBody>
@@ -7484,6 +8526,10 @@
               <a:rPr lang="en-IN" dirty="0"/>
               <a:t>}</a:t>
             </a:r>
+          </a:p>
+          <a:p>
+            <a:pPr lvl="1"/>
+            <a:endParaRPr lang="en-IN" dirty="0"/>
           </a:p>
           <a:p>
             <a:r>
@@ -7625,7 +8671,7 @@
             </a:r>
             <a:r>
               <a:rPr lang="en-IN" dirty="0"/>
-              <a:t> text-decoration: none;</a:t>
+              <a:t> text-decoration: ’property’;</a:t>
             </a:r>
             <a:br>
               <a:rPr lang="en-US" dirty="0"/>
@@ -7635,8 +8681,107 @@
               <a:t>}</a:t>
             </a:r>
           </a:p>
-        </p:txBody>
-      </p:sp>
+          <a:p>
+            <a:pPr marL="457200" lvl="1" indent="0">
+              <a:buNone/>
+            </a:pPr>
+            <a:endParaRPr lang="en-US" dirty="0"/>
+          </a:p>
+          <a:p>
+            <a:pPr marL="457200" lvl="1" indent="0">
+              <a:buNone/>
+            </a:pPr>
+            <a:r>
+              <a:rPr lang="en-US" dirty="0"/>
+              <a:t>Property can be : </a:t>
+            </a:r>
+          </a:p>
+          <a:p>
+            <a:pPr lvl="1">
+              <a:buFont typeface="Wingdings" pitchFamily="2" charset="2"/>
+              <a:buChar char="§"/>
+            </a:pPr>
+            <a:r>
+              <a:rPr lang="en-IN" dirty="0"/>
+              <a:t>Overline</a:t>
+            </a:r>
+          </a:p>
+          <a:p>
+            <a:pPr lvl="1">
+              <a:buFont typeface="Wingdings" pitchFamily="2" charset="2"/>
+              <a:buChar char="§"/>
+            </a:pPr>
+            <a:r>
+              <a:rPr lang="en-IN" dirty="0"/>
+              <a:t>line-through</a:t>
+            </a:r>
+          </a:p>
+          <a:p>
+            <a:pPr lvl="1">
+              <a:buFont typeface="Wingdings" pitchFamily="2" charset="2"/>
+              <a:buChar char="§"/>
+            </a:pPr>
+            <a:r>
+              <a:rPr lang="en-IN" dirty="0"/>
+              <a:t>Underline</a:t>
+            </a:r>
+          </a:p>
+          <a:p>
+            <a:pPr lvl="1">
+              <a:buFont typeface="Wingdings" pitchFamily="2" charset="2"/>
+              <a:buChar char="§"/>
+            </a:pPr>
+            <a:r>
+              <a:rPr lang="en-IN" dirty="0"/>
+              <a:t>underline overline</a:t>
+            </a:r>
+          </a:p>
+          <a:p>
+            <a:pPr marL="457200" lvl="1" indent="0">
+              <a:buNone/>
+            </a:pPr>
+            <a:r>
+              <a:rPr lang="en-IN" b="1" dirty="0"/>
+              <a:t>To remove text decoration property set ‘property’ as ‘none’</a:t>
+            </a:r>
+            <a:r>
+              <a:rPr lang="en-IN" dirty="0"/>
+              <a:t>.</a:t>
+            </a:r>
+            <a:endParaRPr lang="en-US" dirty="0"/>
+          </a:p>
+        </p:txBody>
+      </p:sp>
+      <p:pic>
+        <p:nvPicPr>
+          <p:cNvPr id="7" name="Picture 6">
+            <a:extLst>
+              <a:ext uri="{FF2B5EF4-FFF2-40B4-BE49-F238E27FC236}">
+                <a16:creationId xmlns:a16="http://schemas.microsoft.com/office/drawing/2014/main" id="{6F870A8D-C420-C64C-AEBB-81F42FC431ED}"/>
+              </a:ext>
+            </a:extLst>
+          </p:cNvPr>
+          <p:cNvPicPr>
+            <a:picLocks noChangeAspect="1"/>
+          </p:cNvPicPr>
+          <p:nvPr/>
+        </p:nvPicPr>
+        <p:blipFill>
+          <a:blip r:embed="rId3"/>
+          <a:stretch>
+            <a:fillRect/>
+          </a:stretch>
+        </p:blipFill>
+        <p:spPr>
+          <a:xfrm>
+            <a:off x="5928575" y="1816100"/>
+            <a:ext cx="3657600" cy="3225800"/>
+          </a:xfrm>
+          <a:prstGeom prst="rect">
+            <a:avLst/>
+          </a:prstGeom>
+        </p:spPr>
+      </p:pic>
     </p:spTree>
     <p:extLst>
       <p:ext uri="{BB962C8B-B14F-4D97-AF65-F5344CB8AC3E}">
@@ -7948,7 +9093,7 @@
             </a:r>
             <a:r>
               <a:rPr lang="en-US" dirty="0">
-                <a:hlinkClick r:id="rId2"/>
+                <a:hlinkClick r:id="rId3"/>
               </a:rPr>
               <a:t>https://fonts.google.com/</a:t>
             </a:r>
@@ -8110,7 +9255,7 @@
           <p:cNvPr id="2" name="Title 1">
             <a:extLst>
               <a:ext uri="{FF2B5EF4-FFF2-40B4-BE49-F238E27FC236}">
-                <a16:creationId xmlns:a16="http://schemas.microsoft.com/office/drawing/2014/main" id="{45B68E07-3468-9944-B4BD-2DB30EA56708}"/>
+                <a16:creationId xmlns:a16="http://schemas.microsoft.com/office/drawing/2014/main" id="{8DA804B8-30F3-7B46-9AB4-452CA4E868F0}"/>
               </a:ext>
             </a:extLst>
           </p:cNvPr>
@@ -8121,14 +9266,19 @@
             <p:ph type="title"/>
           </p:nvPr>
         </p:nvSpPr>
-        <p:spPr/>
+        <p:spPr>
+          <a:xfrm>
+            <a:off x="677334" y="609600"/>
+            <a:ext cx="8596668" cy="725214"/>
+          </a:xfrm>
+        </p:spPr>
         <p:txBody>
           <a:bodyPr/>
           <a:lstStyle/>
           <a:p>
             <a:r>
               <a:rPr lang="en-US" dirty="0"/>
-              <a:t>Background Images</a:t>
+              <a:t>Float</a:t>
             </a:r>
           </a:p>
         </p:txBody>
@@ -8138,7 +9288,7 @@
           <p:cNvPr id="3" name="Content Placeholder 2">
             <a:extLst>
               <a:ext uri="{FF2B5EF4-FFF2-40B4-BE49-F238E27FC236}">
-                <a16:creationId xmlns:a16="http://schemas.microsoft.com/office/drawing/2014/main" id="{E0FA4F7B-C036-FF49-9818-1FBEB3C9A1BA}"/>
+                <a16:creationId xmlns:a16="http://schemas.microsoft.com/office/drawing/2014/main" id="{58782410-F64B-AB43-8297-CFBD92FE724A}"/>
               </a:ext>
             </a:extLst>
           </p:cNvPr>
@@ -8151,8 +9301,8 @@
         </p:nvSpPr>
         <p:spPr>
           <a:xfrm>
-            <a:off x="677334" y="1355835"/>
-            <a:ext cx="8596668" cy="4685528"/>
+            <a:off x="677334" y="1250731"/>
+            <a:ext cx="8596668" cy="4790631"/>
           </a:xfrm>
         </p:spPr>
         <p:txBody>
@@ -8160,62 +9310,53 @@
           <a:lstStyle/>
           <a:p>
             <a:r>
-              <a:rPr lang="en-US" dirty="0"/>
-              <a:t>background-image: </a:t>
-            </a:r>
-            <a:r>
-              <a:rPr lang="en-US" dirty="0" err="1"/>
-              <a:t>url</a:t>
-            </a:r>
-            <a:r>
-              <a:rPr lang="en-US" dirty="0"/>
-              <a:t>("</a:t>
-            </a:r>
-            <a:r>
-              <a:rPr lang="en-US" dirty="0" err="1"/>
-              <a:t>image.jpg</a:t>
-            </a:r>
-            <a:r>
-              <a:rPr lang="en-US" dirty="0"/>
-              <a:t>");</a:t>
-            </a:r>
-          </a:p>
-          <a:p>
-            <a:endParaRPr lang="en-US" dirty="0"/>
-          </a:p>
-          <a:p>
-            <a:r>
-              <a:rPr lang="en-US" dirty="0"/>
-              <a:t>Background Image Properties:</a:t>
+              <a:rPr lang="en-IN" dirty="0"/>
+              <a:t>The CSS float property specifies how an element should float.</a:t>
+            </a:r>
+          </a:p>
+          <a:p>
+            <a:r>
+              <a:rPr lang="en-IN" dirty="0"/>
+              <a:t>The float property is used for positioning and formatting content e.g. let an image float left to the text in a container.</a:t>
+            </a:r>
+          </a:p>
+          <a:p>
+            <a:r>
+              <a:rPr lang="en-IN" dirty="0"/>
+              <a:t>The float property can have one of the following values:</a:t>
             </a:r>
           </a:p>
           <a:p>
             <a:pPr lvl="1"/>
             <a:r>
-              <a:rPr lang="en-US" dirty="0"/>
-              <a:t>background-repeat: no-repeat;</a:t>
+              <a:rPr lang="en-IN" dirty="0"/>
+              <a:t>left - The element floats to the left of its container</a:t>
             </a:r>
           </a:p>
           <a:p>
             <a:pPr lvl="1"/>
             <a:r>
-              <a:rPr lang="en-US" dirty="0"/>
-              <a:t>background-position: center;</a:t>
+              <a:rPr lang="en-IN" dirty="0"/>
+              <a:t>right - The element floats to the right of its container</a:t>
             </a:r>
           </a:p>
           <a:p>
             <a:pPr lvl="1"/>
             <a:r>
-              <a:rPr lang="en-US" dirty="0"/>
-              <a:t>background-size: cover;</a:t>
-            </a:r>
+              <a:rPr lang="en-IN" dirty="0"/>
+              <a:t>none - The element does not float (will be displayed just where it occurs in the text). This is default</a:t>
+            </a:r>
+            <a:br>
+              <a:rPr lang="en-IN" dirty="0"/>
+            </a:br>
+            <a:endParaRPr lang="en-IN" dirty="0"/>
           </a:p>
         </p:txBody>
       </p:sp>
     </p:spTree>
     <p:extLst>
       <p:ext uri="{BB962C8B-B14F-4D97-AF65-F5344CB8AC3E}">
-        <p14:creationId xmlns:p14="http://schemas.microsoft.com/office/powerpoint/2010/main" val="3111637232"/>
+        <p14:creationId xmlns:p14="http://schemas.microsoft.com/office/powerpoint/2010/main" val="2952757226"/>
       </p:ext>
     </p:extLst>
   </p:cSld>
@@ -8247,7 +9388,7 @@
           <p:cNvPr id="2" name="Title 1">
             <a:extLst>
               <a:ext uri="{FF2B5EF4-FFF2-40B4-BE49-F238E27FC236}">
-                <a16:creationId xmlns:a16="http://schemas.microsoft.com/office/drawing/2014/main" id="{8DA804B8-30F3-7B46-9AB4-452CA4E868F0}"/>
+                <a16:creationId xmlns:a16="http://schemas.microsoft.com/office/drawing/2014/main" id="{3506E74D-53EA-D149-9C5E-7C9CAD3CA5A0}"/>
               </a:ext>
             </a:extLst>
           </p:cNvPr>
@@ -8261,94 +9402,58 @@
         <p:spPr>
           <a:xfrm>
             <a:off x="677334" y="609600"/>
-            <a:ext cx="8596668" cy="725214"/>
+            <a:ext cx="8596668" cy="426244"/>
           </a:xfrm>
         </p:spPr>
         <p:txBody>
-          <a:bodyPr/>
+          <a:bodyPr>
+            <a:normAutofit fontScale="90000"/>
+          </a:bodyPr>
           <a:lstStyle/>
           <a:p>
             <a:r>
               <a:rPr lang="en-US" dirty="0"/>
-              <a:t>Float</a:t>
-            </a:r>
-          </a:p>
-        </p:txBody>
-      </p:sp>
-      <p:sp>
-        <p:nvSpPr>
-          <p:cNvPr id="3" name="Content Placeholder 2">
+              <a:t> </a:t>
+            </a:r>
+          </a:p>
+        </p:txBody>
+      </p:sp>
+      <p:pic>
+        <p:nvPicPr>
+          <p:cNvPr id="4" name="Content Placeholder 3">
             <a:extLst>
               <a:ext uri="{FF2B5EF4-FFF2-40B4-BE49-F238E27FC236}">
-                <a16:creationId xmlns:a16="http://schemas.microsoft.com/office/drawing/2014/main" id="{58782410-F64B-AB43-8297-CFBD92FE724A}"/>
+                <a16:creationId xmlns:a16="http://schemas.microsoft.com/office/drawing/2014/main" id="{CEB791F3-4379-0E49-993B-B6363152483D}"/>
               </a:ext>
             </a:extLst>
           </p:cNvPr>
-          <p:cNvSpPr>
-            <a:spLocks noGrp="1"/>
-          </p:cNvSpPr>
+          <p:cNvPicPr>
+            <a:picLocks noGrp="1" noChangeAspect="1"/>
+          </p:cNvPicPr>
           <p:nvPr>
             <p:ph idx="1"/>
           </p:nvPr>
-        </p:nvSpPr>
+        </p:nvPicPr>
+        <p:blipFill>
+          <a:blip r:embed="rId2"/>
+          <a:stretch>
+            <a:fillRect/>
+          </a:stretch>
+        </p:blipFill>
         <p:spPr>
           <a:xfrm>
-            <a:off x="677334" y="1250731"/>
-            <a:ext cx="8596668" cy="4790631"/>
+            <a:off x="1534319" y="1468192"/>
+            <a:ext cx="6883400" cy="4353964"/>
           </a:xfrm>
+          <a:prstGeom prst="rect">
+            <a:avLst/>
+          </a:prstGeom>
         </p:spPr>
-        <p:txBody>
-          <a:bodyPr/>
-          <a:lstStyle/>
-          <a:p>
-            <a:r>
-              <a:rPr lang="en-IN" dirty="0"/>
-              <a:t>The CSS float property specifies how an element should float.</a:t>
-            </a:r>
-          </a:p>
-          <a:p>
-            <a:r>
-              <a:rPr lang="en-IN" dirty="0"/>
-              <a:t>The float property is used for positioning and formatting content e.g. let an image float left to the text in a container.</a:t>
-            </a:r>
-          </a:p>
-          <a:p>
-            <a:r>
-              <a:rPr lang="en-IN" dirty="0"/>
-              <a:t>The float property can have one of the following values:</a:t>
-            </a:r>
-          </a:p>
-          <a:p>
-            <a:pPr lvl="1"/>
-            <a:r>
-              <a:rPr lang="en-IN" dirty="0"/>
-              <a:t>left - The element floats to the left of its container</a:t>
-            </a:r>
-          </a:p>
-          <a:p>
-            <a:pPr lvl="1"/>
-            <a:r>
-              <a:rPr lang="en-IN" dirty="0"/>
-              <a:t>right - The element floats to the right of its container</a:t>
-            </a:r>
-          </a:p>
-          <a:p>
-            <a:pPr lvl="1"/>
-            <a:r>
-              <a:rPr lang="en-IN" dirty="0"/>
-              <a:t>none - The element does not float (will be displayed just where it occurs in the text). This is default</a:t>
-            </a:r>
-            <a:br>
-              <a:rPr lang="en-IN" dirty="0"/>
-            </a:br>
-            <a:endParaRPr lang="en-IN" dirty="0"/>
-          </a:p>
-        </p:txBody>
-      </p:sp>
+      </p:pic>
     </p:spTree>
     <p:extLst>
       <p:ext uri="{BB962C8B-B14F-4D97-AF65-F5344CB8AC3E}">
-        <p14:creationId xmlns:p14="http://schemas.microsoft.com/office/powerpoint/2010/main" val="2952757226"/>
+        <p14:creationId xmlns:p14="http://schemas.microsoft.com/office/powerpoint/2010/main" val="3359561111"/>
       </p:ext>
     </p:extLst>
   </p:cSld>
@@ -8613,4 +9718,299 @@
     </a:ext>
   </a:extLst>
 </a:theme>
+</file>
+
+<file path=ppt/theme/theme2.xml><?xml version="1.0" encoding="utf-8"?>
+<a:theme xmlns:a="http://schemas.openxmlformats.org/drawingml/2006/main" name="Office Theme">
+  <a:themeElements>
+    <a:clrScheme name="Office">
+      <a:dk1>
+        <a:sysClr val="windowText" lastClr="000000"/>
+      </a:dk1>
+      <a:lt1>
+        <a:sysClr val="window" lastClr="FFFFFF"/>
+      </a:lt1>
+      <a:dk2>
+        <a:srgbClr val="44546A"/>
+      </a:dk2>
+      <a:lt2>
+        <a:srgbClr val="E7E6E6"/>
+      </a:lt2>
+      <a:accent1>
+        <a:srgbClr val="4472C4"/>
+      </a:accent1>
+      <a:accent2>
+        <a:srgbClr val="ED7D31"/>
+      </a:accent2>
+      <a:accent3>
+        <a:srgbClr val="A5A5A5"/>
+      </a:accent3>
+      <a:accent4>
+        <a:srgbClr val="FFC000"/>
+      </a:accent4>
+      <a:accent5>
+        <a:srgbClr val="5B9BD5"/>
+      </a:accent5>
+      <a:accent6>
+        <a:srgbClr val="70AD47"/>
+      </a:accent6>
+      <a:hlink>
+        <a:srgbClr val="0563C1"/>
+      </a:hlink>
+      <a:folHlink>
+        <a:srgbClr val="954F72"/>
+      </a:folHlink>
+    </a:clrScheme>
+    <a:fontScheme name="Office">
+      <a:majorFont>
+        <a:latin typeface="Calibri Light" panose="020F0302020204030204"/>
+        <a:ea typeface=""/>
+        <a:cs typeface=""/>
+        <a:font script="Jpan" typeface="游ゴシック Light"/>
+        <a:font script="Hang" typeface="맑은 고딕"/>
+        <a:font script="Hans" typeface="等线 Light"/>
+        <a:font script="Hant" typeface="新細明體"/>
+        <a:font script="Arab" typeface="Times New Roman"/>
+        <a:font script="Hebr" typeface="Times New Roman"/>
+        <a:font script="Thai" typeface="Angsana New"/>
+        <a:font script="Ethi" typeface="Nyala"/>
+        <a:font script="Beng" typeface="Vrinda"/>
+        <a:font script="Gujr" typeface="Shruti"/>
+        <a:font script="Khmr" typeface="MoolBoran"/>
+        <a:font script="Knda" typeface="Tunga"/>
+        <a:font script="Guru" typeface="Raavi"/>
+        <a:font script="Cans" typeface="Euphemia"/>
+        <a:font script="Cher" typeface="Plantagenet Cherokee"/>
+        <a:font script="Yiii" typeface="Microsoft Yi Baiti"/>
+        <a:font script="Tibt" typeface="Microsoft Himalaya"/>
+        <a:font script="Thaa" typeface="MV Boli"/>
+        <a:font script="Deva" typeface="Mangal"/>
+        <a:font script="Telu" typeface="Gautami"/>
+        <a:font script="Taml" typeface="Latha"/>
+        <a:font script="Syrc" typeface="Estrangelo Edessa"/>
+        <a:font script="Orya" typeface="Kalinga"/>
+        <a:font script="Mlym" typeface="Kartika"/>
+        <a:font script="Laoo" typeface="DokChampa"/>
+        <a:font script="Sinh" typeface="Iskoola Pota"/>
+        <a:font script="Mong" typeface="Mongolian Baiti"/>
+        <a:font script="Viet" typeface="Times New Roman"/>
+        <a:font script="Uigh" typeface="Microsoft Uighur"/>
+        <a:font script="Geor" typeface="Sylfaen"/>
+        <a:font script="Armn" typeface="Arial"/>
+        <a:font script="Bugi" typeface="Leelawadee UI"/>
+        <a:font script="Bopo" typeface="Microsoft JhengHei"/>
+        <a:font script="Java" typeface="Javanese Text"/>
+        <a:font script="Lisu" typeface="Segoe UI"/>
+        <a:font script="Mymr" typeface="Myanmar Text"/>
+        <a:font script="Nkoo" typeface="Ebrima"/>
+        <a:font script="Olck" typeface="Nirmala UI"/>
+        <a:font script="Osma" typeface="Ebrima"/>
+        <a:font script="Phag" typeface="Phagspa"/>
+        <a:font script="Syrn" typeface="Estrangelo Edessa"/>
+        <a:font script="Syrj" typeface="Estrangelo Edessa"/>
+        <a:font script="Syre" typeface="Estrangelo Edessa"/>
+        <a:font script="Sora" typeface="Nirmala UI"/>
+        <a:font script="Tale" typeface="Microsoft Tai Le"/>
+        <a:font script="Talu" typeface="Microsoft New Tai Lue"/>
+        <a:font script="Tfng" typeface="Ebrima"/>
+      </a:majorFont>
+      <a:minorFont>
+        <a:latin typeface="Calibri" panose="020F0502020204030204"/>
+        <a:ea typeface=""/>
+        <a:cs typeface=""/>
+        <a:font script="Jpan" typeface="游ゴシック"/>
+        <a:font script="Hang" typeface="맑은 고딕"/>
+        <a:font script="Hans" typeface="等线"/>
+        <a:font script="Hant" typeface="新細明體"/>
+        <a:font script="Arab" typeface="Arial"/>
+        <a:font script="Hebr" typeface="Arial"/>
+        <a:font script="Thai" typeface="Cordia New"/>
+        <a:font script="Ethi" typeface="Nyala"/>
+        <a:font script="Beng" typeface="Vrinda"/>
+        <a:font script="Gujr" typeface="Shruti"/>
+        <a:font script="Khmr" typeface="DaunPenh"/>
+        <a:font script="Knda" typeface="Tunga"/>
+        <a:font script="Guru" typeface="Raavi"/>
+        <a:font script="Cans" typeface="Euphemia"/>
+        <a:font script="Cher" typeface="Plantagenet Cherokee"/>
+        <a:font script="Yiii" typeface="Microsoft Yi Baiti"/>
+        <a:font script="Tibt" typeface="Microsoft Himalaya"/>
+        <a:font script="Thaa" typeface="MV Boli"/>
+        <a:font script="Deva" typeface="Mangal"/>
+        <a:font script="Telu" typeface="Gautami"/>
+        <a:font script="Taml" typeface="Latha"/>
+        <a:font script="Syrc" typeface="Estrangelo Edessa"/>
+        <a:font script="Orya" typeface="Kalinga"/>
+        <a:font script="Mlym" typeface="Kartika"/>
+        <a:font script="Laoo" typeface="DokChampa"/>
+        <a:font script="Sinh" typeface="Iskoola Pota"/>
+        <a:font script="Mong" typeface="Mongolian Baiti"/>
+        <a:font script="Viet" typeface="Arial"/>
+        <a:font script="Uigh" typeface="Microsoft Uighur"/>
+        <a:font script="Geor" typeface="Sylfaen"/>
+        <a:font script="Armn" typeface="Arial"/>
+        <a:font script="Bugi" typeface="Leelawadee UI"/>
+        <a:font script="Bopo" typeface="Microsoft JhengHei"/>
+        <a:font script="Java" typeface="Javanese Text"/>
+        <a:font script="Lisu" typeface="Segoe UI"/>
+        <a:font script="Mymr" typeface="Myanmar Text"/>
+        <a:font script="Nkoo" typeface="Ebrima"/>
+        <a:font script="Olck" typeface="Nirmala UI"/>
+        <a:font script="Osma" typeface="Ebrima"/>
+        <a:font script="Phag" typeface="Phagspa"/>
+        <a:font script="Syrn" typeface="Estrangelo Edessa"/>
+        <a:font script="Syrj" typeface="Estrangelo Edessa"/>
+        <a:font script="Syre" typeface="Estrangelo Edessa"/>
+        <a:font script="Sora" typeface="Nirmala UI"/>
+        <a:font script="Tale" typeface="Microsoft Tai Le"/>
+        <a:font script="Talu" typeface="Microsoft New Tai Lue"/>
+        <a:font script="Tfng" typeface="Ebrima"/>
+      </a:minorFont>
+    </a:fontScheme>
+    <a:fmtScheme name="Office">
+      <a:fillStyleLst>
+        <a:solidFill>
+          <a:schemeClr val="phClr"/>
+        </a:solidFill>
+        <a:gradFill rotWithShape="1">
+          <a:gsLst>
+            <a:gs pos="0">
+              <a:schemeClr val="phClr">
+                <a:lumMod val="110000"/>
+                <a:satMod val="105000"/>
+                <a:tint val="67000"/>
+              </a:schemeClr>
+            </a:gs>
+            <a:gs pos="50000">
+              <a:schemeClr val="phClr">
+                <a:lumMod val="105000"/>
+                <a:satMod val="103000"/>
+                <a:tint val="73000"/>
+              </a:schemeClr>
+            </a:gs>
+            <a:gs pos="100000">
+              <a:schemeClr val="phClr">
+                <a:lumMod val="105000"/>
+                <a:satMod val="109000"/>
+                <a:tint val="81000"/>
+              </a:schemeClr>
+            </a:gs>
+          </a:gsLst>
+          <a:lin ang="5400000" scaled="0"/>
+        </a:gradFill>
+        <a:gradFill rotWithShape="1">
+          <a:gsLst>
+            <a:gs pos="0">
+              <a:schemeClr val="phClr">
+                <a:satMod val="103000"/>
+                <a:lumMod val="102000"/>
+                <a:tint val="94000"/>
+              </a:schemeClr>
+            </a:gs>
+            <a:gs pos="50000">
+              <a:schemeClr val="phClr">
+                <a:satMod val="110000"/>
+                <a:lumMod val="100000"/>
+                <a:shade val="100000"/>
+              </a:schemeClr>
+            </a:gs>
+            <a:gs pos="100000">
+              <a:schemeClr val="phClr">
+                <a:lumMod val="99000"/>
+                <a:satMod val="120000"/>
+                <a:shade val="78000"/>
+              </a:schemeClr>
+            </a:gs>
+          </a:gsLst>
+          <a:lin ang="5400000" scaled="0"/>
+        </a:gradFill>
+      </a:fillStyleLst>
+      <a:lnStyleLst>
+        <a:ln w="6350" cap="flat" cmpd="sng" algn="ctr">
+          <a:solidFill>
+            <a:schemeClr val="phClr"/>
+          </a:solidFill>
+          <a:prstDash val="solid"/>
+          <a:miter lim="800000"/>
+        </a:ln>
+        <a:ln w="12700" cap="flat" cmpd="sng" algn="ctr">
+          <a:solidFill>
+            <a:schemeClr val="phClr"/>
+          </a:solidFill>
+          <a:prstDash val="solid"/>
+          <a:miter lim="800000"/>
+        </a:ln>
+        <a:ln w="19050" cap="flat" cmpd="sng" algn="ctr">
+          <a:solidFill>
+            <a:schemeClr val="phClr"/>
+          </a:solidFill>
+          <a:prstDash val="solid"/>
+          <a:miter lim="800000"/>
+        </a:ln>
+      </a:lnStyleLst>
+      <a:effectStyleLst>
+        <a:effectStyle>
+          <a:effectLst/>
+        </a:effectStyle>
+        <a:effectStyle>
+          <a:effectLst/>
+        </a:effectStyle>
+        <a:effectStyle>
+          <a:effectLst>
+            <a:outerShdw blurRad="57150" dist="19050" dir="5400000" algn="ctr" rotWithShape="0">
+              <a:srgbClr val="000000">
+                <a:alpha val="63000"/>
+              </a:srgbClr>
+            </a:outerShdw>
+          </a:effectLst>
+        </a:effectStyle>
+      </a:effectStyleLst>
+      <a:bgFillStyleLst>
+        <a:solidFill>
+          <a:schemeClr val="phClr"/>
+        </a:solidFill>
+        <a:solidFill>
+          <a:schemeClr val="phClr">
+            <a:tint val="95000"/>
+            <a:satMod val="170000"/>
+          </a:schemeClr>
+        </a:solidFill>
+        <a:gradFill rotWithShape="1">
+          <a:gsLst>
+            <a:gs pos="0">
+              <a:schemeClr val="phClr">
+                <a:tint val="93000"/>
+                <a:satMod val="150000"/>
+                <a:shade val="98000"/>
+                <a:lumMod val="102000"/>
+              </a:schemeClr>
+            </a:gs>
+            <a:gs pos="50000">
+              <a:schemeClr val="phClr">
+                <a:tint val="98000"/>
+                <a:satMod val="130000"/>
+                <a:shade val="90000"/>
+                <a:lumMod val="103000"/>
+              </a:schemeClr>
+            </a:gs>
+            <a:gs pos="100000">
+              <a:schemeClr val="phClr">
+                <a:shade val="63000"/>
+                <a:satMod val="120000"/>
+              </a:schemeClr>
+            </a:gs>
+          </a:gsLst>
+          <a:lin ang="5400000" scaled="0"/>
+        </a:gradFill>
+      </a:bgFillStyleLst>
+    </a:fmtScheme>
+  </a:themeElements>
+  <a:objectDefaults/>
+  <a:extraClrSchemeLst/>
+  <a:extLst>
+    <a:ext uri="{05A4C25C-085E-4340-85A3-A5531E510DB2}">
+      <thm15:themeFamily xmlns:thm15="http://schemas.microsoft.com/office/thememl/2012/main" name="Office Theme" id="{62F939B6-93AF-4DB8-9C6B-D6C7DFDC589F}" vid="{4A3C46E8-61CC-4603-A589-7422A47A8E4A}"/>
+    </a:ext>
+  </a:extLst>
+</a:theme>
 </file>
--- a/css.pptx
+++ b/css.pptx
@@ -216,7 +216,7 @@
           <a:p>
             <a:fld id="{059CA266-6FE9-FA4C-ADD0-96DD7928DEE5}" type="datetimeFigureOut">
               <a:rPr lang="en-US" smtClean="0"/>
-              <a:t>1/21/21</a:t>
+              <a:t>1/23/21</a:t>
             </a:fld>
             <a:endParaRPr lang="en-US"/>
           </a:p>
@@ -1459,7 +1459,7 @@
             <a:fld id="{B61BEF0D-F0BB-DE4B-95CE-6DB70DBA9567}" type="datetimeFigureOut">
               <a:rPr lang="en-US" dirty="0"/>
               <a:pPr/>
-              <a:t>1/21/21</a:t>
+              <a:t>1/23/21</a:t>
             </a:fld>
             <a:endParaRPr lang="en-US" dirty="0"/>
           </a:p>
@@ -1707,7 +1707,7 @@
             <a:fld id="{B61BEF0D-F0BB-DE4B-95CE-6DB70DBA9567}" type="datetimeFigureOut">
               <a:rPr lang="en-US" dirty="0"/>
               <a:pPr/>
-              <a:t>1/21/21</a:t>
+              <a:t>1/23/21</a:t>
             </a:fld>
             <a:endParaRPr lang="en-US" dirty="0"/>
           </a:p>
@@ -2018,7 +2018,7 @@
             <a:fld id="{B61BEF0D-F0BB-DE4B-95CE-6DB70DBA9567}" type="datetimeFigureOut">
               <a:rPr lang="en-US" dirty="0"/>
               <a:pPr/>
-              <a:t>1/21/21</a:t>
+              <a:t>1/23/21</a:t>
             </a:fld>
             <a:endParaRPr lang="en-US" dirty="0"/>
           </a:p>
@@ -2356,7 +2356,7 @@
             <a:fld id="{B61BEF0D-F0BB-DE4B-95CE-6DB70DBA9567}" type="datetimeFigureOut">
               <a:rPr lang="en-US" dirty="0"/>
               <a:pPr/>
-              <a:t>1/21/21</a:t>
+              <a:t>1/23/21</a:t>
             </a:fld>
             <a:endParaRPr lang="en-US" dirty="0"/>
           </a:p>
@@ -2667,7 +2667,7 @@
             <a:fld id="{B61BEF0D-F0BB-DE4B-95CE-6DB70DBA9567}" type="datetimeFigureOut">
               <a:rPr lang="en-US" dirty="0"/>
               <a:pPr/>
-              <a:t>1/21/21</a:t>
+              <a:t>1/23/21</a:t>
             </a:fld>
             <a:endParaRPr lang="en-US" dirty="0"/>
           </a:p>
@@ -3057,7 +3057,7 @@
             <a:fld id="{B61BEF0D-F0BB-DE4B-95CE-6DB70DBA9567}" type="datetimeFigureOut">
               <a:rPr lang="en-US" dirty="0"/>
               <a:pPr/>
-              <a:t>1/21/21</a:t>
+              <a:t>1/23/21</a:t>
             </a:fld>
             <a:endParaRPr lang="en-US" dirty="0"/>
           </a:p>
@@ -3223,7 +3223,7 @@
           <a:p>
             <a:fld id="{55C6B4A9-1611-4792-9094-5F34BCA07E0B}" type="datetimeFigureOut">
               <a:rPr lang="en-US" dirty="0"/>
-              <a:t>1/21/21</a:t>
+              <a:t>1/23/21</a:t>
             </a:fld>
             <a:endParaRPr lang="en-US" dirty="0"/>
           </a:p>
@@ -3399,7 +3399,7 @@
             <a:fld id="{B61BEF0D-F0BB-DE4B-95CE-6DB70DBA9567}" type="datetimeFigureOut">
               <a:rPr lang="en-US" dirty="0"/>
               <a:pPr/>
-              <a:t>1/21/21</a:t>
+              <a:t>1/23/21</a:t>
             </a:fld>
             <a:endParaRPr lang="en-US" dirty="0"/>
           </a:p>
@@ -3572,7 +3572,7 @@
             <a:fld id="{B61BEF0D-F0BB-DE4B-95CE-6DB70DBA9567}" type="datetimeFigureOut">
               <a:rPr lang="en-US" dirty="0"/>
               <a:pPr/>
-              <a:t>1/21/21</a:t>
+              <a:t>1/23/21</a:t>
             </a:fld>
             <a:endParaRPr lang="en-US" dirty="0"/>
           </a:p>
@@ -3816,7 +3816,7 @@
             <a:fld id="{B61BEF0D-F0BB-DE4B-95CE-6DB70DBA9567}" type="datetimeFigureOut">
               <a:rPr lang="en-US" dirty="0"/>
               <a:pPr/>
-              <a:t>1/21/21</a:t>
+              <a:t>1/23/21</a:t>
             </a:fld>
             <a:endParaRPr lang="en-US" dirty="0"/>
           </a:p>
@@ -4044,7 +4044,7 @@
           <a:p>
             <a:fld id="{EB712588-04B1-427B-82EE-E8DB90309F08}" type="datetimeFigureOut">
               <a:rPr lang="en-US" dirty="0"/>
-              <a:t>1/21/21</a:t>
+              <a:t>1/23/21</a:t>
             </a:fld>
             <a:endParaRPr lang="en-US" dirty="0"/>
           </a:p>
@@ -4414,7 +4414,7 @@
             <a:fld id="{B61BEF0D-F0BB-DE4B-95CE-6DB70DBA9567}" type="datetimeFigureOut">
               <a:rPr lang="en-US" dirty="0"/>
               <a:pPr/>
-              <a:t>1/21/21</a:t>
+              <a:t>1/23/21</a:t>
             </a:fld>
             <a:endParaRPr lang="en-US" dirty="0"/>
           </a:p>
@@ -4534,7 +4534,7 @@
             <a:fld id="{B61BEF0D-F0BB-DE4B-95CE-6DB70DBA9567}" type="datetimeFigureOut">
               <a:rPr lang="en-US" dirty="0"/>
               <a:pPr/>
-              <a:t>1/21/21</a:t>
+              <a:t>1/23/21</a:t>
             </a:fld>
             <a:endParaRPr lang="en-US" dirty="0"/>
           </a:p>
@@ -4626,7 +4626,7 @@
             <a:fld id="{B61BEF0D-F0BB-DE4B-95CE-6DB70DBA9567}" type="datetimeFigureOut">
               <a:rPr lang="en-US" dirty="0"/>
               <a:pPr/>
-              <a:t>1/21/21</a:t>
+              <a:t>1/23/21</a:t>
             </a:fld>
             <a:endParaRPr lang="en-US" dirty="0"/>
           </a:p>
@@ -4877,7 +4877,7 @@
           <a:p>
             <a:fld id="{42A54C80-263E-416B-A8E0-580EDEADCBDC}" type="datetimeFigureOut">
               <a:rPr lang="en-US" dirty="0"/>
-              <a:t>1/21/21</a:t>
+              <a:t>1/23/21</a:t>
             </a:fld>
             <a:endParaRPr lang="en-US" dirty="0"/>
           </a:p>
@@ -5136,7 +5136,7 @@
             <a:fld id="{B61BEF0D-F0BB-DE4B-95CE-6DB70DBA9567}" type="datetimeFigureOut">
               <a:rPr lang="en-US" dirty="0"/>
               <a:pPr/>
-              <a:t>1/21/21</a:t>
+              <a:t>1/23/21</a:t>
             </a:fld>
             <a:endParaRPr lang="en-US" dirty="0"/>
           </a:p>
@@ -5876,7 +5876,7 @@
             <a:fld id="{B61BEF0D-F0BB-DE4B-95CE-6DB70DBA9567}" type="datetimeFigureOut">
               <a:rPr lang="en-US" dirty="0"/>
               <a:pPr/>
-              <a:t>1/21/21</a:t>
+              <a:t>1/23/21</a:t>
             </a:fld>
             <a:endParaRPr lang="en-US" dirty="0"/>
           </a:p>
@@ -6447,7 +6447,7 @@
           <a:p>
             <a:r>
               <a:rPr lang="en-US" dirty="0"/>
-              <a:t>Date</a:t>
+              <a:t>24 Jan 2021</a:t>
             </a:r>
           </a:p>
         </p:txBody>
@@ -6577,14 +6577,14 @@
             <a:pPr lvl="1"/>
             <a:r>
               <a:rPr lang="en-US" dirty="0"/>
+              <a:t>background-size: cover;</a:t>
+            </a:r>
+          </a:p>
+          <a:p>
+            <a:pPr lvl="1"/>
+            <a:r>
+              <a:rPr lang="en-US" dirty="0"/>
               <a:t>background-position: center;</a:t>
-            </a:r>
-          </a:p>
-          <a:p>
-            <a:pPr lvl="1"/>
-            <a:r>
-              <a:rPr lang="en-US" dirty="0"/>
-              <a:t>background-size: cover;</a:t>
             </a:r>
           </a:p>
         </p:txBody>
@@ -6699,7 +6699,7 @@
             <a:pPr lvl="1"/>
             <a:r>
               <a:rPr lang="en-IN" dirty="0"/>
-              <a:t>relative</a:t>
+              <a:t>Relative (An element with position: relative; is positioned relative to its normal position.)</a:t>
             </a:r>
           </a:p>
           <a:p>
@@ -8541,21 +8541,21 @@
             <a:pPr lvl="1"/>
             <a:r>
               <a:rPr lang="en-IN" dirty="0"/>
-              <a:t>Block (By default)</a:t>
+              <a:t>Block</a:t>
             </a:r>
           </a:p>
           <a:p>
             <a:pPr lvl="1"/>
             <a:r>
               <a:rPr lang="en-IN" dirty="0"/>
-              <a:t>Inline</a:t>
+              <a:t>Inline( margin top and margin bottom properties don’t work)</a:t>
             </a:r>
           </a:p>
           <a:p>
             <a:pPr lvl="1"/>
             <a:r>
               <a:rPr lang="en-IN" dirty="0"/>
-              <a:t>Inline-block</a:t>
+              <a:t>Inline-block (mixture of inline and block elements)</a:t>
             </a:r>
           </a:p>
         </p:txBody>
